--- a/cs2620/slides/cs2620_notes6.pptx
+++ b/cs2620/slides/cs2620_notes6.pptx
@@ -5,7 +5,7 @@
     <p:sldMasterId id="2147483660" r:id="rId1"/>
   </p:sldMasterIdLst>
   <p:notesMasterIdLst>
-    <p:notesMasterId r:id="rId41"/>
+    <p:notesMasterId r:id="rId42"/>
   </p:notesMasterIdLst>
   <p:sldIdLst>
     <p:sldId id="256" r:id="rId2"/>
@@ -35,43 +35,44 @@
     <p:sldId id="313" r:id="rId26"/>
     <p:sldId id="333" r:id="rId27"/>
     <p:sldId id="267" r:id="rId28"/>
-    <p:sldId id="317" r:id="rId29"/>
-    <p:sldId id="318" r:id="rId30"/>
-    <p:sldId id="269" r:id="rId31"/>
-    <p:sldId id="334" r:id="rId32"/>
-    <p:sldId id="322" r:id="rId33"/>
-    <p:sldId id="323" r:id="rId34"/>
-    <p:sldId id="324" r:id="rId35"/>
-    <p:sldId id="270" r:id="rId36"/>
-    <p:sldId id="271" r:id="rId37"/>
-    <p:sldId id="325" r:id="rId38"/>
-    <p:sldId id="328" r:id="rId39"/>
-    <p:sldId id="335" r:id="rId40"/>
+    <p:sldId id="337" r:id="rId29"/>
+    <p:sldId id="317" r:id="rId30"/>
+    <p:sldId id="318" r:id="rId31"/>
+    <p:sldId id="269" r:id="rId32"/>
+    <p:sldId id="334" r:id="rId33"/>
+    <p:sldId id="322" r:id="rId34"/>
+    <p:sldId id="323" r:id="rId35"/>
+    <p:sldId id="324" r:id="rId36"/>
+    <p:sldId id="270" r:id="rId37"/>
+    <p:sldId id="271" r:id="rId38"/>
+    <p:sldId id="325" r:id="rId39"/>
+    <p:sldId id="328" r:id="rId40"/>
+    <p:sldId id="335" r:id="rId41"/>
   </p:sldIdLst>
   <p:sldSz cx="9144000" cy="6858000" type="screen4x3"/>
   <p:notesSz cx="6858000" cy="9144000"/>
   <p:embeddedFontLst>
     <p:embeddedFont>
       <p:font typeface="Calibri" panose="020F0502020204030204" pitchFamily="34" charset="0"/>
-      <p:regular r:id="rId42"/>
-      <p:bold r:id="rId43"/>
-      <p:italic r:id="rId44"/>
-      <p:boldItalic r:id="rId45"/>
+      <p:regular r:id="rId43"/>
+      <p:bold r:id="rId44"/>
+      <p:italic r:id="rId45"/>
+      <p:boldItalic r:id="rId46"/>
     </p:embeddedFont>
     <p:embeddedFont>
       <p:font typeface="Cambria Math" panose="02040503050406030204" pitchFamily="18" charset="0"/>
-      <p:regular r:id="rId46"/>
+      <p:regular r:id="rId47"/>
     </p:embeddedFont>
     <p:embeddedFont>
       <p:font typeface="Constantia" panose="02030602050306030303" pitchFamily="18" charset="0"/>
-      <p:regular r:id="rId47"/>
-      <p:bold r:id="rId48"/>
-      <p:italic r:id="rId49"/>
-      <p:boldItalic r:id="rId50"/>
+      <p:regular r:id="rId48"/>
+      <p:bold r:id="rId49"/>
+      <p:italic r:id="rId50"/>
+      <p:boldItalic r:id="rId51"/>
     </p:embeddedFont>
     <p:embeddedFont>
       <p:font typeface="Wingdings 2" pitchFamily="2" charset="2"/>
-      <p:regular r:id="rId51"/>
+      <p:regular r:id="rId52"/>
     </p:embeddedFont>
   </p:embeddedFontLst>
   <p:defaultTextStyle>
@@ -191,7 +192,7 @@
 <file path=ppt/revisionInfo.xml><?xml version="1.0" encoding="utf-8"?>
 <p1510:revInfo xmlns:a="http://schemas.openxmlformats.org/drawingml/2006/main" xmlns:r="http://schemas.openxmlformats.org/officeDocument/2006/relationships" xmlns:p1510="http://schemas.microsoft.com/office/powerpoint/2015/10/main">
   <p1510:revLst>
-    <p1510:client id="{F937ECC3-9B9F-414E-A5D7-A35B708FB3E4}" v="24" dt="2020-10-13T16:28:12.383"/>
+    <p1510:client id="{F937ECC3-9B9F-414E-A5D7-A35B708FB3E4}" v="130" dt="2020-10-15T17:14:31.386"/>
   </p1510:revLst>
 </p1510:revInfo>
 </file>
@@ -200,8 +201,8 @@
 <pc:chgInfo xmlns:a="http://schemas.openxmlformats.org/drawingml/2006/main" xmlns:r="http://schemas.openxmlformats.org/officeDocument/2006/relationships" xmlns:ac="http://schemas.microsoft.com/office/drawing/2013/main/command" xmlns:pc="http://schemas.microsoft.com/office/powerpoint/2013/main/command">
   <pc:docChgLst>
     <pc:chgData name="Lin  Chen" userId="5b8d33d8-9b1a-4612-8f39-9bee1ddd9437" providerId="ADAL" clId="{F937ECC3-9B9F-414E-A5D7-A35B708FB3E4}"/>
-    <pc:docChg chg="custSel addSld modSld">
-      <pc:chgData name="Lin  Chen" userId="5b8d33d8-9b1a-4612-8f39-9bee1ddd9437" providerId="ADAL" clId="{F937ECC3-9B9F-414E-A5D7-A35B708FB3E4}" dt="2020-10-13T16:28:12.383" v="39" actId="207"/>
+    <pc:docChg chg="undo custSel addSld delSld modSld">
+      <pc:chgData name="Lin  Chen" userId="5b8d33d8-9b1a-4612-8f39-9bee1ddd9437" providerId="ADAL" clId="{F937ECC3-9B9F-414E-A5D7-A35B708FB3E4}" dt="2020-10-15T17:14:31.386" v="392"/>
       <pc:docMkLst>
         <pc:docMk/>
       </pc:docMkLst>
@@ -219,6 +220,20 @@
             <ac:spMk id="3" creationId="{00000000-0000-0000-0000-000000000000}"/>
           </ac:spMkLst>
         </pc:spChg>
+      </pc:sldChg>
+      <pc:sldChg chg="modAnim">
+        <pc:chgData name="Lin  Chen" userId="5b8d33d8-9b1a-4612-8f39-9bee1ddd9437" providerId="ADAL" clId="{F937ECC3-9B9F-414E-A5D7-A35B708FB3E4}" dt="2020-10-15T17:06:45.193" v="116"/>
+        <pc:sldMkLst>
+          <pc:docMk/>
+          <pc:sldMk cId="0" sldId="269"/>
+        </pc:sldMkLst>
+      </pc:sldChg>
+      <pc:sldChg chg="modAnim">
+        <pc:chgData name="Lin  Chen" userId="5b8d33d8-9b1a-4612-8f39-9bee1ddd9437" providerId="ADAL" clId="{F937ECC3-9B9F-414E-A5D7-A35B708FB3E4}" dt="2020-10-15T17:14:31.386" v="392"/>
+        <pc:sldMkLst>
+          <pc:docMk/>
+          <pc:sldMk cId="0" sldId="271"/>
+        </pc:sldMkLst>
       </pc:sldChg>
       <pc:sldChg chg="modSp mod">
         <pc:chgData name="Lin  Chen" userId="5b8d33d8-9b1a-4612-8f39-9bee1ddd9437" providerId="ADAL" clId="{F937ECC3-9B9F-414E-A5D7-A35B708FB3E4}" dt="2020-10-13T15:53:16.164" v="26" actId="20577"/>
@@ -278,12 +293,72 @@
           <pc:sldMk cId="0" sldId="298"/>
         </pc:sldMkLst>
       </pc:sldChg>
+      <pc:sldChg chg="modSp mod">
+        <pc:chgData name="Lin  Chen" userId="5b8d33d8-9b1a-4612-8f39-9bee1ddd9437" providerId="ADAL" clId="{F937ECC3-9B9F-414E-A5D7-A35B708FB3E4}" dt="2020-10-15T16:58:18.785" v="110" actId="27636"/>
+        <pc:sldMkLst>
+          <pc:docMk/>
+          <pc:sldMk cId="0" sldId="313"/>
+        </pc:sldMkLst>
+        <pc:spChg chg="mod">
+          <ac:chgData name="Lin  Chen" userId="5b8d33d8-9b1a-4612-8f39-9bee1ddd9437" providerId="ADAL" clId="{F937ECC3-9B9F-414E-A5D7-A35B708FB3E4}" dt="2020-10-15T16:58:18.785" v="110" actId="27636"/>
+          <ac:spMkLst>
+            <pc:docMk/>
+            <pc:sldMk cId="0" sldId="313"/>
+            <ac:spMk id="3" creationId="{00000000-0000-0000-0000-000000000000}"/>
+          </ac:spMkLst>
+        </pc:spChg>
+      </pc:sldChg>
+      <pc:sldChg chg="modSp">
+        <pc:chgData name="Lin  Chen" userId="5b8d33d8-9b1a-4612-8f39-9bee1ddd9437" providerId="ADAL" clId="{F937ECC3-9B9F-414E-A5D7-A35B708FB3E4}" dt="2020-10-15T17:04:37.286" v="115" actId="207"/>
+        <pc:sldMkLst>
+          <pc:docMk/>
+          <pc:sldMk cId="0" sldId="317"/>
+        </pc:sldMkLst>
+        <pc:spChg chg="mod">
+          <ac:chgData name="Lin  Chen" userId="5b8d33d8-9b1a-4612-8f39-9bee1ddd9437" providerId="ADAL" clId="{F937ECC3-9B9F-414E-A5D7-A35B708FB3E4}" dt="2020-10-15T17:04:37.286" v="115" actId="207"/>
+          <ac:spMkLst>
+            <pc:docMk/>
+            <pc:sldMk cId="0" sldId="317"/>
+            <ac:spMk id="3" creationId="{00000000-0000-0000-0000-000000000000}"/>
+          </ac:spMkLst>
+        </pc:spChg>
+      </pc:sldChg>
       <pc:sldChg chg="modAnim">
         <pc:chgData name="Lin  Chen" userId="5b8d33d8-9b1a-4612-8f39-9bee1ddd9437" providerId="ADAL" clId="{F937ECC3-9B9F-414E-A5D7-A35B708FB3E4}" dt="2020-10-13T16:11:16.758" v="32"/>
         <pc:sldMkLst>
           <pc:docMk/>
           <pc:sldMk cId="0" sldId="320"/>
         </pc:sldMkLst>
+      </pc:sldChg>
+      <pc:sldChg chg="modSp">
+        <pc:chgData name="Lin  Chen" userId="5b8d33d8-9b1a-4612-8f39-9bee1ddd9437" providerId="ADAL" clId="{F937ECC3-9B9F-414E-A5D7-A35B708FB3E4}" dt="2020-10-15T17:12:16.857" v="391" actId="207"/>
+        <pc:sldMkLst>
+          <pc:docMk/>
+          <pc:sldMk cId="0" sldId="324"/>
+        </pc:sldMkLst>
+        <pc:spChg chg="mod">
+          <ac:chgData name="Lin  Chen" userId="5b8d33d8-9b1a-4612-8f39-9bee1ddd9437" providerId="ADAL" clId="{F937ECC3-9B9F-414E-A5D7-A35B708FB3E4}" dt="2020-10-15T17:12:16.857" v="391" actId="207"/>
+          <ac:spMkLst>
+            <pc:docMk/>
+            <pc:sldMk cId="0" sldId="324"/>
+            <ac:spMk id="3" creationId="{00000000-0000-0000-0000-000000000000}"/>
+          </ac:spMkLst>
+        </pc:spChg>
+      </pc:sldChg>
+      <pc:sldChg chg="modSp mod">
+        <pc:chgData name="Lin  Chen" userId="5b8d33d8-9b1a-4612-8f39-9bee1ddd9437" providerId="ADAL" clId="{F937ECC3-9B9F-414E-A5D7-A35B708FB3E4}" dt="2020-10-15T17:07:52.795" v="289" actId="20577"/>
+        <pc:sldMkLst>
+          <pc:docMk/>
+          <pc:sldMk cId="3127239370" sldId="333"/>
+        </pc:sldMkLst>
+        <pc:spChg chg="mod">
+          <ac:chgData name="Lin  Chen" userId="5b8d33d8-9b1a-4612-8f39-9bee1ddd9437" providerId="ADAL" clId="{F937ECC3-9B9F-414E-A5D7-A35B708FB3E4}" dt="2020-10-15T17:07:52.795" v="289" actId="20577"/>
+          <ac:spMkLst>
+            <pc:docMk/>
+            <pc:sldMk cId="3127239370" sldId="333"/>
+            <ac:spMk id="3" creationId="{00000000-0000-0000-0000-000000000000}"/>
+          </ac:spMkLst>
+        </pc:spChg>
       </pc:sldChg>
       <pc:sldChg chg="addSp delSp modSp add mod">
         <pc:chgData name="Lin  Chen" userId="5b8d33d8-9b1a-4612-8f39-9bee1ddd9437" providerId="ADAL" clId="{F937ECC3-9B9F-414E-A5D7-A35B708FB3E4}" dt="2020-10-13T15:53:00.763" v="23" actId="1076"/>
@@ -380,6 +455,44 @@
           </ac:cxnSpMkLst>
         </pc:cxnChg>
       </pc:sldChg>
+      <pc:sldChg chg="modSp add mod modAnim">
+        <pc:chgData name="Lin  Chen" userId="5b8d33d8-9b1a-4612-8f39-9bee1ddd9437" providerId="ADAL" clId="{F937ECC3-9B9F-414E-A5D7-A35B708FB3E4}" dt="2020-10-15T17:10:24.004" v="389" actId="20577"/>
+        <pc:sldMkLst>
+          <pc:docMk/>
+          <pc:sldMk cId="1642581937" sldId="337"/>
+        </pc:sldMkLst>
+        <pc:spChg chg="mod">
+          <ac:chgData name="Lin  Chen" userId="5b8d33d8-9b1a-4612-8f39-9bee1ddd9437" providerId="ADAL" clId="{F937ECC3-9B9F-414E-A5D7-A35B708FB3E4}" dt="2020-10-15T17:09:23.205" v="293" actId="20577"/>
+          <ac:spMkLst>
+            <pc:docMk/>
+            <pc:sldMk cId="1642581937" sldId="337"/>
+            <ac:spMk id="2" creationId="{00000000-0000-0000-0000-000000000000}"/>
+          </ac:spMkLst>
+        </pc:spChg>
+        <pc:spChg chg="mod">
+          <ac:chgData name="Lin  Chen" userId="5b8d33d8-9b1a-4612-8f39-9bee1ddd9437" providerId="ADAL" clId="{F937ECC3-9B9F-414E-A5D7-A35B708FB3E4}" dt="2020-10-15T17:10:24.004" v="389" actId="20577"/>
+          <ac:spMkLst>
+            <pc:docMk/>
+            <pc:sldMk cId="1642581937" sldId="337"/>
+            <ac:spMk id="3" creationId="{00000000-0000-0000-0000-000000000000}"/>
+          </ac:spMkLst>
+        </pc:spChg>
+      </pc:sldChg>
+      <pc:sldChg chg="modSp add del mod">
+        <pc:chgData name="Lin  Chen" userId="5b8d33d8-9b1a-4612-8f39-9bee1ddd9437" providerId="ADAL" clId="{F937ECC3-9B9F-414E-A5D7-A35B708FB3E4}" dt="2020-10-15T16:58:22.286" v="111" actId="2696"/>
+        <pc:sldMkLst>
+          <pc:docMk/>
+          <pc:sldMk cId="3873352069" sldId="337"/>
+        </pc:sldMkLst>
+        <pc:spChg chg="mod">
+          <ac:chgData name="Lin  Chen" userId="5b8d33d8-9b1a-4612-8f39-9bee1ddd9437" providerId="ADAL" clId="{F937ECC3-9B9F-414E-A5D7-A35B708FB3E4}" dt="2020-10-15T16:46:44.557" v="108" actId="20577"/>
+          <ac:spMkLst>
+            <pc:docMk/>
+            <pc:sldMk cId="3873352069" sldId="337"/>
+            <ac:spMk id="3" creationId="{00000000-0000-0000-0000-000000000000}"/>
+          </ac:spMkLst>
+        </pc:spChg>
+      </pc:sldChg>
     </pc:docChg>
   </pc:docChgLst>
 </pc:chgInfo>
@@ -468,7 +581,7 @@
             <a:fld id="{F62EE97F-2327-4FE9-8874-2C0F3581839A}" type="datetimeFigureOut">
               <a:rPr lang="en-US" smtClean="0"/>
               <a:pPr/>
-              <a:t>10/13/20</a:t>
+              <a:t>10/15/20</a:t>
             </a:fld>
             <a:endParaRPr lang="en-US"/>
           </a:p>
@@ -910,7 +1023,7 @@
             <a:fld id="{74223539-C274-414E-836E-21403C9CE2AE}" type="datetimeFigureOut">
               <a:rPr lang="en-US" smtClean="0"/>
               <a:pPr/>
-              <a:t>10/13/20</a:t>
+              <a:t>10/15/20</a:t>
             </a:fld>
             <a:endParaRPr lang="en-US"/>
           </a:p>
@@ -1076,7 +1189,7 @@
             <a:fld id="{74223539-C274-414E-836E-21403C9CE2AE}" type="datetimeFigureOut">
               <a:rPr lang="en-US" smtClean="0"/>
               <a:pPr/>
-              <a:t>10/13/20</a:t>
+              <a:t>10/15/20</a:t>
             </a:fld>
             <a:endParaRPr lang="en-US"/>
           </a:p>
@@ -1252,7 +1365,7 @@
             <a:fld id="{74223539-C274-414E-836E-21403C9CE2AE}" type="datetimeFigureOut">
               <a:rPr lang="en-US" smtClean="0"/>
               <a:pPr/>
-              <a:t>10/13/20</a:t>
+              <a:t>10/15/20</a:t>
             </a:fld>
             <a:endParaRPr lang="en-US"/>
           </a:p>
@@ -1418,7 +1531,7 @@
             <a:fld id="{74223539-C274-414E-836E-21403C9CE2AE}" type="datetimeFigureOut">
               <a:rPr lang="en-US" smtClean="0"/>
               <a:pPr/>
-              <a:t>10/13/20</a:t>
+              <a:t>10/15/20</a:t>
             </a:fld>
             <a:endParaRPr lang="en-US"/>
           </a:p>
@@ -1661,7 +1774,7 @@
             <a:fld id="{74223539-C274-414E-836E-21403C9CE2AE}" type="datetimeFigureOut">
               <a:rPr lang="en-US" smtClean="0"/>
               <a:pPr/>
-              <a:t>10/13/20</a:t>
+              <a:t>10/15/20</a:t>
             </a:fld>
             <a:endParaRPr lang="en-US"/>
           </a:p>
@@ -1926,7 +2039,7 @@
             <a:fld id="{74223539-C274-414E-836E-21403C9CE2AE}" type="datetimeFigureOut">
               <a:rPr lang="en-US" smtClean="0"/>
               <a:pPr/>
-              <a:t>10/13/20</a:t>
+              <a:t>10/15/20</a:t>
             </a:fld>
             <a:endParaRPr lang="en-US"/>
           </a:p>
@@ -2305,7 +2418,7 @@
             <a:fld id="{74223539-C274-414E-836E-21403C9CE2AE}" type="datetimeFigureOut">
               <a:rPr lang="en-US" smtClean="0"/>
               <a:pPr/>
-              <a:t>10/13/20</a:t>
+              <a:t>10/15/20</a:t>
             </a:fld>
             <a:endParaRPr lang="en-US"/>
           </a:p>
@@ -2456,7 +2569,7 @@
             <a:fld id="{74223539-C274-414E-836E-21403C9CE2AE}" type="datetimeFigureOut">
               <a:rPr lang="en-US" smtClean="0"/>
               <a:pPr/>
-              <a:t>10/13/20</a:t>
+              <a:t>10/15/20</a:t>
             </a:fld>
             <a:endParaRPr lang="en-US"/>
           </a:p>
@@ -2548,7 +2661,7 @@
             <a:fld id="{74223539-C274-414E-836E-21403C9CE2AE}" type="datetimeFigureOut">
               <a:rPr lang="en-US" smtClean="0"/>
               <a:pPr/>
-              <a:t>10/13/20</a:t>
+              <a:t>10/15/20</a:t>
             </a:fld>
             <a:endParaRPr lang="en-US"/>
           </a:p>
@@ -2810,7 +2923,7 @@
             <a:fld id="{74223539-C274-414E-836E-21403C9CE2AE}" type="datetimeFigureOut">
               <a:rPr lang="en-US" smtClean="0"/>
               <a:pPr/>
-              <a:t>10/13/20</a:t>
+              <a:t>10/15/20</a:t>
             </a:fld>
             <a:endParaRPr lang="en-US"/>
           </a:p>
@@ -3099,7 +3212,7 @@
             <a:fld id="{74223539-C274-414E-836E-21403C9CE2AE}" type="datetimeFigureOut">
               <a:rPr lang="en-US" smtClean="0"/>
               <a:pPr/>
-              <a:t>10/13/20</a:t>
+              <a:t>10/15/20</a:t>
             </a:fld>
             <a:endParaRPr lang="en-US"/>
           </a:p>
@@ -3870,7 +3983,7 @@
             <a:fld id="{74223539-C274-414E-836E-21403C9CE2AE}" type="datetimeFigureOut">
               <a:rPr lang="en-US" smtClean="0"/>
               <a:pPr/>
-              <a:t>10/13/20</a:t>
+              <a:t>10/15/20</a:t>
             </a:fld>
             <a:endParaRPr lang="en-US"/>
           </a:p>
@@ -9618,7 +9731,7 @@
         <p:spPr/>
         <p:txBody>
           <a:bodyPr>
-            <a:normAutofit fontScale="85000" lnSpcReduction="10000"/>
+            <a:normAutofit/>
           </a:bodyPr>
           <a:lstStyle/>
           <a:p>
@@ -9654,258 +9767,6 @@
             <a:r>
               <a:rPr lang="en-US" dirty="0"/>
               <a:t> possible birthdays.</a:t>
-            </a:r>
-          </a:p>
-          <a:p>
-            <a:pPr>
-              <a:buNone/>
-            </a:pPr>
-            <a:endParaRPr lang="en-US" dirty="0"/>
-          </a:p>
-          <a:p>
-            <a:pPr>
-              <a:buNone/>
-            </a:pPr>
-            <a:r>
-              <a:rPr lang="en-US" b="1" dirty="0"/>
-              <a:t>    Example </a:t>
-            </a:r>
-            <a:r>
-              <a:rPr lang="en-US" dirty="0"/>
-              <a:t>(</a:t>
-            </a:r>
-            <a:r>
-              <a:rPr lang="en-US" i="1" dirty="0"/>
-              <a:t>optional</a:t>
-            </a:r>
-            <a:r>
-              <a:rPr lang="en-US" dirty="0"/>
-              <a:t>): Show that for every integer </a:t>
-            </a:r>
-            <a:r>
-              <a:rPr lang="en-US" i="1" dirty="0"/>
-              <a:t>n</a:t>
-            </a:r>
-            <a:r>
-              <a:rPr lang="en-US" dirty="0"/>
-              <a:t> there is a multiple of </a:t>
-            </a:r>
-            <a:r>
-              <a:rPr lang="en-US" i="1" dirty="0"/>
-              <a:t>n</a:t>
-            </a:r>
-            <a:r>
-              <a:rPr lang="en-US" dirty="0"/>
-              <a:t> that has only </a:t>
-            </a:r>
-            <a:r>
-              <a:rPr lang="en-US" dirty="0">
-                <a:latin typeface="Cambria Math" pitchFamily="18" charset="0"/>
-                <a:ea typeface="Cambria Math" pitchFamily="18" charset="0"/>
-              </a:rPr>
-              <a:t>0</a:t>
-            </a:r>
-            <a:r>
-              <a:rPr lang="en-US" dirty="0"/>
-              <a:t>s and </a:t>
-            </a:r>
-            <a:r>
-              <a:rPr lang="en-US" dirty="0">
-                <a:latin typeface="Cambria Math" pitchFamily="18" charset="0"/>
-                <a:ea typeface="Cambria Math" pitchFamily="18" charset="0"/>
-              </a:rPr>
-              <a:t>1</a:t>
-            </a:r>
-            <a:r>
-              <a:rPr lang="en-US" dirty="0"/>
-              <a:t>s in its decimal expansion. </a:t>
-            </a:r>
-          </a:p>
-          <a:p>
-            <a:pPr>
-              <a:buNone/>
-            </a:pPr>
-            <a:r>
-              <a:rPr lang="en-US" b="1" dirty="0"/>
-              <a:t>    Solution</a:t>
-            </a:r>
-            <a:r>
-              <a:rPr lang="en-US" dirty="0"/>
-              <a:t>: Let </a:t>
-            </a:r>
-            <a:r>
-              <a:rPr lang="en-US" i="1" dirty="0"/>
-              <a:t>n</a:t>
-            </a:r>
-            <a:r>
-              <a:rPr lang="en-US" dirty="0"/>
-              <a:t> be a positive integer. Consider the </a:t>
-            </a:r>
-            <a:r>
-              <a:rPr lang="en-US" i="1" dirty="0"/>
-              <a:t>n</a:t>
-            </a:r>
-            <a:r>
-              <a:rPr lang="en-US" dirty="0"/>
-              <a:t> + </a:t>
-            </a:r>
-            <a:r>
-              <a:rPr lang="en-US" dirty="0">
-                <a:latin typeface="Cambria Math" pitchFamily="18" charset="0"/>
-                <a:ea typeface="Cambria Math" pitchFamily="18" charset="0"/>
-              </a:rPr>
-              <a:t>1</a:t>
-            </a:r>
-            <a:r>
-              <a:rPr lang="en-US" dirty="0"/>
-              <a:t> integers </a:t>
-            </a:r>
-            <a:r>
-              <a:rPr lang="en-US" dirty="0">
-                <a:latin typeface="Cambria Math" pitchFamily="18" charset="0"/>
-                <a:ea typeface="Cambria Math" pitchFamily="18" charset="0"/>
-              </a:rPr>
-              <a:t>1</a:t>
-            </a:r>
-            <a:r>
-              <a:rPr lang="en-US" dirty="0"/>
-              <a:t>, </a:t>
-            </a:r>
-            <a:r>
-              <a:rPr lang="en-US" dirty="0">
-                <a:latin typeface="Cambria Math" pitchFamily="18" charset="0"/>
-                <a:ea typeface="Cambria Math" pitchFamily="18" charset="0"/>
-              </a:rPr>
-              <a:t>11</a:t>
-            </a:r>
-            <a:r>
-              <a:rPr lang="en-US" dirty="0"/>
-              <a:t>, </a:t>
-            </a:r>
-            <a:r>
-              <a:rPr lang="en-US" dirty="0">
-                <a:latin typeface="Cambria Math" pitchFamily="18" charset="0"/>
-                <a:ea typeface="Cambria Math" pitchFamily="18" charset="0"/>
-              </a:rPr>
-              <a:t>111</a:t>
-            </a:r>
-            <a:r>
-              <a:rPr lang="en-US" dirty="0"/>
-              <a:t>, …., </a:t>
-            </a:r>
-            <a:r>
-              <a:rPr lang="en-US" dirty="0">
-                <a:latin typeface="Cambria Math" pitchFamily="18" charset="0"/>
-                <a:ea typeface="Cambria Math" pitchFamily="18" charset="0"/>
-              </a:rPr>
-              <a:t>11</a:t>
-            </a:r>
-            <a:r>
-              <a:rPr lang="en-US" dirty="0"/>
-              <a:t>…</a:t>
-            </a:r>
-            <a:r>
-              <a:rPr lang="en-US" dirty="0">
-                <a:latin typeface="Cambria Math" pitchFamily="18" charset="0"/>
-                <a:ea typeface="Cambria Math" pitchFamily="18" charset="0"/>
-              </a:rPr>
-              <a:t>1</a:t>
-            </a:r>
-            <a:r>
-              <a:rPr lang="en-US" dirty="0"/>
-              <a:t> (where the last has </a:t>
-            </a:r>
-            <a:r>
-              <a:rPr lang="en-US" i="1" dirty="0"/>
-              <a:t>n</a:t>
-            </a:r>
-            <a:r>
-              <a:rPr lang="en-US" dirty="0"/>
-              <a:t> + </a:t>
-            </a:r>
-            <a:r>
-              <a:rPr lang="en-US" dirty="0">
-                <a:latin typeface="Cambria Math" pitchFamily="18" charset="0"/>
-                <a:ea typeface="Cambria Math" pitchFamily="18" charset="0"/>
-              </a:rPr>
-              <a:t>1 1</a:t>
-            </a:r>
-            <a:r>
-              <a:rPr lang="en-US" dirty="0"/>
-              <a:t>s). There are </a:t>
-            </a:r>
-            <a:r>
-              <a:rPr lang="en-US" i="1" dirty="0"/>
-              <a:t>n</a:t>
-            </a:r>
-            <a:r>
-              <a:rPr lang="en-US" dirty="0"/>
-              <a:t> possible remainders when an integer is divided by </a:t>
-            </a:r>
-            <a:r>
-              <a:rPr lang="en-US" i="1" dirty="0"/>
-              <a:t>n</a:t>
-            </a:r>
-            <a:r>
-              <a:rPr lang="en-US" dirty="0"/>
-              <a:t>. By the pigeonhole principle, when each of the </a:t>
-            </a:r>
-            <a:r>
-              <a:rPr lang="en-US" i="1" dirty="0"/>
-              <a:t>n</a:t>
-            </a:r>
-            <a:r>
-              <a:rPr lang="en-US" dirty="0"/>
-              <a:t> + </a:t>
-            </a:r>
-            <a:r>
-              <a:rPr lang="en-US" dirty="0">
-                <a:latin typeface="Cambria Math" pitchFamily="18" charset="0"/>
-                <a:ea typeface="Cambria Math" pitchFamily="18" charset="0"/>
-              </a:rPr>
-              <a:t>1</a:t>
-            </a:r>
-            <a:r>
-              <a:rPr lang="en-US" dirty="0"/>
-              <a:t> integers is divided by </a:t>
-            </a:r>
-            <a:r>
-              <a:rPr lang="en-US" i="1" dirty="0"/>
-              <a:t>n</a:t>
-            </a:r>
-            <a:r>
-              <a:rPr lang="en-US" dirty="0"/>
-              <a:t>, at least two must have the same remainder. Subtract the smaller from the larger and the result is a multiple of </a:t>
-            </a:r>
-            <a:r>
-              <a:rPr lang="en-US" i="1" dirty="0"/>
-              <a:t>n</a:t>
-            </a:r>
-            <a:r>
-              <a:rPr lang="en-US" dirty="0"/>
-              <a:t> that has only </a:t>
-            </a:r>
-            <a:r>
-              <a:rPr lang="en-US" dirty="0">
-                <a:latin typeface="Cambria Math" pitchFamily="18" charset="0"/>
-                <a:ea typeface="Cambria Math" pitchFamily="18" charset="0"/>
-              </a:rPr>
-              <a:t>0</a:t>
-            </a:r>
-            <a:r>
-              <a:rPr lang="en-US" dirty="0"/>
-              <a:t>s and </a:t>
-            </a:r>
-            <a:r>
-              <a:rPr lang="en-US" dirty="0">
-                <a:latin typeface="Cambria Math" pitchFamily="18" charset="0"/>
-                <a:ea typeface="Cambria Math" pitchFamily="18" charset="0"/>
-              </a:rPr>
-              <a:t>1</a:t>
-            </a:r>
-            <a:r>
-              <a:rPr lang="en-US" dirty="0"/>
-              <a:t>s in its decimal expansion. </a:t>
             </a:r>
           </a:p>
         </p:txBody>
@@ -9974,7 +9835,7 @@
           <a:p>
             <a:r>
               <a:rPr lang="en-US" dirty="0"/>
-              <a:t>What is the minimum number of students, each of whom comes from one of the 50 states, who must be enrolled in a university to guarantee that there are at least 100 who come from the same state?</a:t>
+              <a:t>How many students must be in a class to guarantee that at least two students receive the same score on the final exam, if the exam is graded on a scale from 0 to 100 points?</a:t>
             </a:r>
           </a:p>
         </p:txBody>
@@ -10090,12 +9951,14 @@
         </p:nvSpPr>
         <p:spPr/>
         <p:txBody>
-          <a:bodyPr/>
+          <a:bodyPr>
+            <a:normAutofit fontScale="90000"/>
+          </a:bodyPr>
           <a:lstStyle/>
           <a:p>
             <a:r>
               <a:rPr lang="en-US" dirty="0"/>
-              <a:t>Permutations</a:t>
+              <a:t>Solving Counting Problems by Counting Permutations</a:t>
             </a:r>
           </a:p>
         </p:txBody>
@@ -10112,9 +9975,7 @@
         </p:nvSpPr>
         <p:spPr/>
         <p:txBody>
-          <a:bodyPr>
-            <a:normAutofit lnSpcReduction="10000"/>
-          </a:bodyPr>
+          <a:bodyPr/>
           <a:lstStyle/>
           <a:p>
             <a:pPr>
@@ -10122,386 +9983,21 @@
             </a:pPr>
             <a:r>
               <a:rPr lang="en-US" b="1" dirty="0"/>
-              <a:t>   Definition</a:t>
-            </a:r>
-            <a:r>
-              <a:rPr lang="en-US" dirty="0"/>
-              <a:t>: A </a:t>
-            </a:r>
-            <a:r>
-              <a:rPr lang="en-US" i="1" dirty="0"/>
-              <a:t>permutation</a:t>
-            </a:r>
-            <a:r>
-              <a:rPr lang="en-US" dirty="0"/>
-              <a:t> of a set of distinct objects is an ordered arrangement of these objects. An ordered arrangement of r elements of a set is called an                      </a:t>
-            </a:r>
-            <a:r>
-              <a:rPr lang="en-US" i="1" dirty="0"/>
-              <a:t>r-</a:t>
-            </a:r>
-            <a:r>
-              <a:rPr lang="en-US" i="1" dirty="0" err="1"/>
-              <a:t>permuation</a:t>
-            </a:r>
-            <a:r>
-              <a:rPr lang="en-US" dirty="0"/>
-              <a:t>.</a:t>
-            </a:r>
-          </a:p>
-          <a:p>
-            <a:pPr>
-              <a:buNone/>
-            </a:pPr>
-            <a:r>
-              <a:rPr lang="en-US" b="1" dirty="0"/>
               <a:t>   Example</a:t>
             </a:r>
             <a:r>
               <a:rPr lang="en-US" dirty="0"/>
-              <a:t>: Let </a:t>
-            </a:r>
-            <a:r>
-              <a:rPr lang="en-US" i="1" dirty="0"/>
-              <a:t>S</a:t>
-            </a:r>
-            <a:r>
-              <a:rPr lang="en-US" dirty="0"/>
-              <a:t> = {</a:t>
-            </a:r>
-            <a:r>
-              <a:rPr lang="en-US" dirty="0">
-                <a:latin typeface="Cambria Math" pitchFamily="18" charset="0"/>
-                <a:ea typeface="Cambria Math" pitchFamily="18" charset="0"/>
-              </a:rPr>
-              <a:t>1</a:t>
-            </a:r>
-            <a:r>
-              <a:rPr lang="en-US" dirty="0"/>
-              <a:t>,</a:t>
-            </a:r>
-            <a:r>
-              <a:rPr lang="en-US" dirty="0">
-                <a:latin typeface="Cambria Math" pitchFamily="18" charset="0"/>
-                <a:ea typeface="Cambria Math" pitchFamily="18" charset="0"/>
-              </a:rPr>
-              <a:t>2</a:t>
-            </a:r>
-            <a:r>
-              <a:rPr lang="en-US" dirty="0"/>
-              <a:t>,</a:t>
-            </a:r>
-            <a:r>
-              <a:rPr lang="en-US" dirty="0">
-                <a:latin typeface="Cambria Math" pitchFamily="18" charset="0"/>
-                <a:ea typeface="Cambria Math" pitchFamily="18" charset="0"/>
-              </a:rPr>
-              <a:t>3</a:t>
-            </a:r>
-            <a:r>
-              <a:rPr lang="en-US" dirty="0"/>
-              <a:t>}. </a:t>
-            </a:r>
-          </a:p>
-          <a:p>
-            <a:pPr lvl="1"/>
-            <a:r>
-              <a:rPr lang="en-US" dirty="0"/>
-              <a:t>The ordered arrangement </a:t>
-            </a:r>
-            <a:r>
-              <a:rPr lang="en-US" dirty="0">
-                <a:latin typeface="Cambria Math" pitchFamily="18" charset="0"/>
-                <a:ea typeface="Cambria Math" pitchFamily="18" charset="0"/>
-              </a:rPr>
-              <a:t>3</a:t>
-            </a:r>
-            <a:r>
-              <a:rPr lang="en-US" dirty="0"/>
-              <a:t>,</a:t>
-            </a:r>
-            <a:r>
-              <a:rPr lang="en-US" dirty="0">
-                <a:latin typeface="Cambria Math" pitchFamily="18" charset="0"/>
-                <a:ea typeface="Cambria Math" pitchFamily="18" charset="0"/>
-              </a:rPr>
-              <a:t>1</a:t>
-            </a:r>
-            <a:r>
-              <a:rPr lang="en-US" dirty="0"/>
-              <a:t>,</a:t>
-            </a:r>
-            <a:r>
-              <a:rPr lang="en-US" dirty="0">
-                <a:latin typeface="Cambria Math" pitchFamily="18" charset="0"/>
-                <a:ea typeface="Cambria Math" pitchFamily="18" charset="0"/>
-              </a:rPr>
-              <a:t>2</a:t>
-            </a:r>
-            <a:r>
-              <a:rPr lang="en-US" dirty="0"/>
-              <a:t> is a permutation of </a:t>
-            </a:r>
-            <a:r>
-              <a:rPr lang="en-US" i="1" dirty="0"/>
-              <a:t>S</a:t>
-            </a:r>
-            <a:r>
-              <a:rPr lang="en-US" dirty="0"/>
-              <a:t>.</a:t>
-            </a:r>
-          </a:p>
-          <a:p>
-            <a:pPr lvl="1"/>
-            <a:r>
-              <a:rPr lang="en-US" dirty="0"/>
-              <a:t>The ordered arrangement </a:t>
-            </a:r>
-            <a:r>
-              <a:rPr lang="en-US" dirty="0">
-                <a:latin typeface="Cambria Math" pitchFamily="18" charset="0"/>
-                <a:ea typeface="Cambria Math" pitchFamily="18" charset="0"/>
-              </a:rPr>
-              <a:t>3</a:t>
-            </a:r>
-            <a:r>
-              <a:rPr lang="en-US" dirty="0"/>
-              <a:t>,</a:t>
-            </a:r>
-            <a:r>
-              <a:rPr lang="en-US" dirty="0">
-                <a:latin typeface="Cambria Math" pitchFamily="18" charset="0"/>
-                <a:ea typeface="Cambria Math" pitchFamily="18" charset="0"/>
-              </a:rPr>
-              <a:t>2</a:t>
-            </a:r>
-            <a:r>
-              <a:rPr lang="en-US" dirty="0"/>
-              <a:t> is a </a:t>
-            </a:r>
-            <a:r>
-              <a:rPr lang="en-US" dirty="0">
-                <a:latin typeface="Cambria Math" pitchFamily="18" charset="0"/>
-                <a:ea typeface="Cambria Math" pitchFamily="18" charset="0"/>
-              </a:rPr>
-              <a:t>2</a:t>
-            </a:r>
-            <a:r>
-              <a:rPr lang="en-US" dirty="0"/>
-              <a:t>-permutation of </a:t>
-            </a:r>
-            <a:r>
-              <a:rPr lang="en-US" i="1" dirty="0"/>
-              <a:t>S</a:t>
-            </a:r>
-            <a:r>
-              <a:rPr lang="en-US" dirty="0"/>
-              <a:t>.</a:t>
-            </a:r>
-          </a:p>
-          <a:p>
-            <a:r>
-              <a:rPr lang="en-US" dirty="0"/>
-              <a:t>The number of </a:t>
-            </a:r>
-            <a:r>
-              <a:rPr lang="en-US" i="1" dirty="0"/>
-              <a:t>r</a:t>
-            </a:r>
-            <a:r>
-              <a:rPr lang="en-US" dirty="0"/>
-              <a:t>-</a:t>
-            </a:r>
-            <a:r>
-              <a:rPr lang="en-US" dirty="0" err="1"/>
-              <a:t>permuatations</a:t>
-            </a:r>
-            <a:r>
-              <a:rPr lang="en-US" dirty="0"/>
-              <a:t> of a set with </a:t>
-            </a:r>
-            <a:r>
-              <a:rPr lang="en-US" i="1" dirty="0"/>
-              <a:t>n</a:t>
-            </a:r>
-            <a:r>
-              <a:rPr lang="en-US" dirty="0"/>
-              <a:t> elements is denoted by </a:t>
-            </a:r>
-            <a:r>
-              <a:rPr lang="en-US" i="1" dirty="0"/>
-              <a:t>P</a:t>
-            </a:r>
-            <a:r>
-              <a:rPr lang="en-US" dirty="0"/>
-              <a:t>(</a:t>
-            </a:r>
-            <a:r>
-              <a:rPr lang="en-US" i="1" dirty="0" err="1"/>
-              <a:t>n</a:t>
-            </a:r>
-            <a:r>
-              <a:rPr lang="en-US" dirty="0" err="1"/>
-              <a:t>,</a:t>
-            </a:r>
-            <a:r>
-              <a:rPr lang="en-US" i="1" dirty="0" err="1"/>
-              <a:t>r</a:t>
-            </a:r>
-            <a:r>
-              <a:rPr lang="en-US" dirty="0"/>
-              <a:t>).</a:t>
-            </a:r>
-          </a:p>
-          <a:p>
-            <a:pPr lvl="1"/>
-            <a:r>
-              <a:rPr lang="en-US" dirty="0"/>
-              <a:t>The </a:t>
-            </a:r>
-            <a:r>
-              <a:rPr lang="en-US" dirty="0">
-                <a:latin typeface="Cambria Math" pitchFamily="18" charset="0"/>
-                <a:ea typeface="Cambria Math" pitchFamily="18" charset="0"/>
-              </a:rPr>
-              <a:t>2</a:t>
-            </a:r>
-            <a:r>
-              <a:rPr lang="en-US" dirty="0"/>
-              <a:t>-permutations of </a:t>
-            </a:r>
-            <a:r>
-              <a:rPr lang="en-US" i="1" dirty="0"/>
-              <a:t>S</a:t>
-            </a:r>
-            <a:r>
-              <a:rPr lang="en-US" dirty="0"/>
-              <a:t> = {</a:t>
-            </a:r>
-            <a:r>
-              <a:rPr lang="en-US" dirty="0">
-                <a:latin typeface="Cambria Math" pitchFamily="18" charset="0"/>
-                <a:ea typeface="Cambria Math" pitchFamily="18" charset="0"/>
-              </a:rPr>
-              <a:t>1</a:t>
-            </a:r>
-            <a:r>
-              <a:rPr lang="en-US" dirty="0"/>
-              <a:t>,</a:t>
-            </a:r>
-            <a:r>
-              <a:rPr lang="en-US" dirty="0">
-                <a:latin typeface="Cambria Math" pitchFamily="18" charset="0"/>
-                <a:ea typeface="Cambria Math" pitchFamily="18" charset="0"/>
-              </a:rPr>
-              <a:t>2</a:t>
-            </a:r>
-            <a:r>
-              <a:rPr lang="en-US" dirty="0"/>
-              <a:t>,</a:t>
-            </a:r>
-            <a:r>
-              <a:rPr lang="en-US" dirty="0">
-                <a:latin typeface="Cambria Math" pitchFamily="18" charset="0"/>
-                <a:ea typeface="Cambria Math" pitchFamily="18" charset="0"/>
-              </a:rPr>
-              <a:t>3</a:t>
-            </a:r>
-            <a:r>
-              <a:rPr lang="en-US" dirty="0"/>
-              <a:t>} are</a:t>
-            </a:r>
-            <a:r>
-              <a:rPr lang="en-US" dirty="0">
-                <a:latin typeface="Cambria Math" pitchFamily="18" charset="0"/>
-                <a:ea typeface="Cambria Math" pitchFamily="18" charset="0"/>
-              </a:rPr>
-              <a:t> 1</a:t>
-            </a:r>
-            <a:r>
-              <a:rPr lang="en-US" dirty="0"/>
-              <a:t>,</a:t>
-            </a:r>
-            <a:r>
-              <a:rPr lang="en-US" dirty="0">
-                <a:latin typeface="Cambria Math" pitchFamily="18" charset="0"/>
-                <a:ea typeface="Cambria Math" pitchFamily="18" charset="0"/>
-              </a:rPr>
-              <a:t>2; 1</a:t>
-            </a:r>
-            <a:r>
-              <a:rPr lang="en-US" dirty="0"/>
-              <a:t>,</a:t>
-            </a:r>
-            <a:r>
-              <a:rPr lang="en-US" dirty="0">
-                <a:latin typeface="Cambria Math" pitchFamily="18" charset="0"/>
-                <a:ea typeface="Cambria Math" pitchFamily="18" charset="0"/>
-              </a:rPr>
-              <a:t>3; 2</a:t>
-            </a:r>
-            <a:r>
-              <a:rPr lang="en-US" dirty="0"/>
-              <a:t>,</a:t>
-            </a:r>
-            <a:r>
-              <a:rPr lang="en-US" dirty="0">
-                <a:latin typeface="Cambria Math" pitchFamily="18" charset="0"/>
-                <a:ea typeface="Cambria Math" pitchFamily="18" charset="0"/>
-              </a:rPr>
-              <a:t>1; 2</a:t>
-            </a:r>
-            <a:r>
-              <a:rPr lang="en-US" dirty="0"/>
-              <a:t>,</a:t>
-            </a:r>
-            <a:r>
-              <a:rPr lang="en-US" dirty="0">
-                <a:latin typeface="Cambria Math" pitchFamily="18" charset="0"/>
-                <a:ea typeface="Cambria Math" pitchFamily="18" charset="0"/>
-              </a:rPr>
-              <a:t>3; 3</a:t>
-            </a:r>
-            <a:r>
-              <a:rPr lang="en-US" dirty="0"/>
-              <a:t>,</a:t>
-            </a:r>
-            <a:r>
-              <a:rPr lang="en-US" dirty="0">
-                <a:latin typeface="Cambria Math" pitchFamily="18" charset="0"/>
-                <a:ea typeface="Cambria Math" pitchFamily="18" charset="0"/>
-              </a:rPr>
-              <a:t>1; and 3</a:t>
-            </a:r>
-            <a:r>
-              <a:rPr lang="en-US" dirty="0"/>
-              <a:t>,</a:t>
-            </a:r>
-            <a:r>
-              <a:rPr lang="en-US" dirty="0">
-                <a:latin typeface="Cambria Math" pitchFamily="18" charset="0"/>
-                <a:ea typeface="Cambria Math" pitchFamily="18" charset="0"/>
-              </a:rPr>
-              <a:t>2. Hence, </a:t>
-            </a:r>
-            <a:r>
-              <a:rPr lang="en-US" i="1" dirty="0">
-                <a:ea typeface="Cambria Math" pitchFamily="18" charset="0"/>
-              </a:rPr>
-              <a:t>P</a:t>
-            </a:r>
-            <a:r>
-              <a:rPr lang="en-US" dirty="0">
-                <a:latin typeface="Cambria Math" pitchFamily="18" charset="0"/>
-                <a:ea typeface="Cambria Math" pitchFamily="18" charset="0"/>
-              </a:rPr>
-              <a:t>(3,2) = 6.</a:t>
-            </a:r>
-            <a:endParaRPr lang="en-US" dirty="0"/>
+              <a:t>: How many two-letter strings can be generated by {a, b, c}, each letter only is used for once?</a:t>
+            </a:r>
           </a:p>
         </p:txBody>
       </p:sp>
     </p:spTree>
+    <p:extLst>
+      <p:ext uri="{BB962C8B-B14F-4D97-AF65-F5344CB8AC3E}">
+        <p14:creationId xmlns:p14="http://schemas.microsoft.com/office/powerpoint/2010/main" val="1642581937"/>
+      </p:ext>
+    </p:extLst>
   </p:cSld>
   <p:clrMapOvr>
     <a:masterClrMapping/>
@@ -10538,14 +10034,12 @@
         </p:nvSpPr>
         <p:spPr/>
         <p:txBody>
-          <a:bodyPr>
-            <a:normAutofit fontScale="90000"/>
-          </a:bodyPr>
+          <a:bodyPr/>
           <a:lstStyle/>
           <a:p>
             <a:r>
               <a:rPr lang="en-US" dirty="0"/>
-              <a:t>A Formula for the Number of Permutations</a:t>
+              <a:t>Permutations</a:t>
             </a:r>
           </a:p>
         </p:txBody>
@@ -10563,7 +10057,7 @@
         <p:spPr/>
         <p:txBody>
           <a:bodyPr>
-            <a:normAutofit fontScale="85000" lnSpcReduction="10000"/>
+            <a:normAutofit lnSpcReduction="10000"/>
           </a:bodyPr>
           <a:lstStyle/>
           <a:p>
@@ -10572,83 +10066,67 @@
             </a:pPr>
             <a:r>
               <a:rPr lang="en-US" b="1" dirty="0"/>
-              <a:t>    Theorem </a:t>
-            </a:r>
-            <a:r>
-              <a:rPr lang="en-US" b="1" dirty="0">
-                <a:latin typeface="Cambria Math" pitchFamily="18" charset="0"/>
-                <a:ea typeface="Cambria Math" pitchFamily="18" charset="0"/>
-              </a:rPr>
-              <a:t>1</a:t>
-            </a:r>
-            <a:r>
-              <a:rPr lang="en-US" dirty="0"/>
-              <a:t>: If </a:t>
-            </a:r>
-            <a:r>
-              <a:rPr lang="en-US" i="1" dirty="0"/>
-              <a:t>n</a:t>
-            </a:r>
-            <a:r>
-              <a:rPr lang="en-US" dirty="0"/>
-              <a:t> is a positive integer and </a:t>
-            </a:r>
-            <a:r>
-              <a:rPr lang="en-US" i="1" dirty="0"/>
+              <a:t>   Definition</a:t>
+            </a:r>
+            <a:r>
+              <a:rPr lang="en-US" dirty="0"/>
+              <a:t>: A </a:t>
+            </a:r>
+            <a:r>
+              <a:rPr lang="en-US" i="1" dirty="0">
+                <a:solidFill>
+                  <a:srgbClr val="FF0000"/>
+                </a:solidFill>
+              </a:rPr>
+              <a:t>permutation</a:t>
+            </a:r>
+            <a:r>
+              <a:rPr lang="en-US" dirty="0"/>
+              <a:t> of a set of distinct objects is an </a:t>
+            </a:r>
+            <a:r>
+              <a:rPr lang="en-US" dirty="0">
+                <a:solidFill>
+                  <a:srgbClr val="FF0000"/>
+                </a:solidFill>
+              </a:rPr>
+              <a:t>ordered</a:t>
+            </a:r>
+            <a:r>
+              <a:rPr lang="en-US" dirty="0"/>
+              <a:t> arrangement of these objects. An ordered arrangement of </a:t>
+            </a:r>
+            <a:r>
+              <a:rPr lang="en-US" dirty="0">
+                <a:solidFill>
+                  <a:srgbClr val="FF0000"/>
+                </a:solidFill>
+              </a:rPr>
               <a:t>r</a:t>
             </a:r>
             <a:r>
               <a:rPr lang="en-US" dirty="0"/>
-              <a:t> is an integer with            </a:t>
-            </a:r>
-            <a:r>
-              <a:rPr lang="en-US" dirty="0">
-                <a:latin typeface="Cambria Math" pitchFamily="18" charset="0"/>
-                <a:ea typeface="Cambria Math" pitchFamily="18" charset="0"/>
-              </a:rPr>
-              <a:t>1</a:t>
-            </a:r>
-            <a:r>
-              <a:rPr lang="en-US" dirty="0"/>
-              <a:t> </a:t>
-            </a:r>
-            <a:r>
-              <a:rPr lang="en-US" dirty="0">
-                <a:latin typeface="Cambria Math"/>
-                <a:ea typeface="Cambria Math"/>
-              </a:rPr>
-              <a:t>≤</a:t>
-            </a:r>
-            <a:r>
-              <a:rPr lang="en-US" dirty="0"/>
-              <a:t> </a:t>
-            </a:r>
-            <a:r>
-              <a:rPr lang="en-US" i="1" dirty="0"/>
-              <a:t>r</a:t>
-            </a:r>
-            <a:r>
-              <a:rPr lang="en-US" dirty="0"/>
-              <a:t> </a:t>
-            </a:r>
-            <a:r>
-              <a:rPr lang="en-US" dirty="0">
-                <a:latin typeface="Cambria Math"/>
-                <a:ea typeface="Cambria Math"/>
-              </a:rPr>
-              <a:t>≤</a:t>
-            </a:r>
-            <a:r>
-              <a:rPr lang="en-US" dirty="0"/>
-              <a:t> </a:t>
-            </a:r>
-            <a:r>
-              <a:rPr lang="en-US" i="1" dirty="0"/>
-              <a:t>n</a:t>
-            </a:r>
-            <a:r>
-              <a:rPr lang="en-US" dirty="0"/>
-              <a:t>, then there are</a:t>
+              <a:t> elements of a set is called an                      </a:t>
+            </a:r>
+            <a:r>
+              <a:rPr lang="en-US" i="1" dirty="0">
+                <a:solidFill>
+                  <a:srgbClr val="FF0000"/>
+                </a:solidFill>
+              </a:rPr>
+              <a:t>r-</a:t>
+            </a:r>
+            <a:r>
+              <a:rPr lang="en-US" i="1" dirty="0" err="1">
+                <a:solidFill>
+                  <a:srgbClr val="FF0000"/>
+                </a:solidFill>
+              </a:rPr>
+              <a:t>permuation</a:t>
+            </a:r>
+            <a:r>
+              <a:rPr lang="en-US" dirty="0"/>
+              <a:t>.</a:t>
             </a:r>
           </a:p>
           <a:p>
@@ -10656,8 +10134,179 @@
               <a:buNone/>
             </a:pPr>
             <a:r>
-              <a:rPr lang="en-US" dirty="0"/>
-              <a:t>         </a:t>
+              <a:rPr lang="en-US" b="1" dirty="0"/>
+              <a:t>   Example</a:t>
+            </a:r>
+            <a:r>
+              <a:rPr lang="en-US" dirty="0"/>
+              <a:t>: Let </a:t>
+            </a:r>
+            <a:r>
+              <a:rPr lang="en-US" i="1" dirty="0"/>
+              <a:t>S</a:t>
+            </a:r>
+            <a:r>
+              <a:rPr lang="en-US" dirty="0"/>
+              <a:t> = {</a:t>
+            </a:r>
+            <a:r>
+              <a:rPr lang="en-US" dirty="0">
+                <a:latin typeface="Cambria Math" pitchFamily="18" charset="0"/>
+                <a:ea typeface="Cambria Math" pitchFamily="18" charset="0"/>
+              </a:rPr>
+              <a:t>1</a:t>
+            </a:r>
+            <a:r>
+              <a:rPr lang="en-US" dirty="0"/>
+              <a:t>,</a:t>
+            </a:r>
+            <a:r>
+              <a:rPr lang="en-US" dirty="0">
+                <a:latin typeface="Cambria Math" pitchFamily="18" charset="0"/>
+                <a:ea typeface="Cambria Math" pitchFamily="18" charset="0"/>
+              </a:rPr>
+              <a:t>2</a:t>
+            </a:r>
+            <a:r>
+              <a:rPr lang="en-US" dirty="0"/>
+              <a:t>,</a:t>
+            </a:r>
+            <a:r>
+              <a:rPr lang="en-US" dirty="0">
+                <a:latin typeface="Cambria Math" pitchFamily="18" charset="0"/>
+                <a:ea typeface="Cambria Math" pitchFamily="18" charset="0"/>
+              </a:rPr>
+              <a:t>3</a:t>
+            </a:r>
+            <a:r>
+              <a:rPr lang="en-US" dirty="0"/>
+              <a:t>}. </a:t>
+            </a:r>
+          </a:p>
+          <a:p>
+            <a:pPr lvl="1"/>
+            <a:r>
+              <a:rPr lang="en-US" dirty="0"/>
+              <a:t>The ordered arrangement </a:t>
+            </a:r>
+            <a:r>
+              <a:rPr lang="en-US" dirty="0">
+                <a:latin typeface="Cambria Math" pitchFamily="18" charset="0"/>
+                <a:ea typeface="Cambria Math" pitchFamily="18" charset="0"/>
+              </a:rPr>
+              <a:t>3</a:t>
+            </a:r>
+            <a:r>
+              <a:rPr lang="en-US" dirty="0"/>
+              <a:t>,</a:t>
+            </a:r>
+            <a:r>
+              <a:rPr lang="en-US" dirty="0">
+                <a:latin typeface="Cambria Math" pitchFamily="18" charset="0"/>
+                <a:ea typeface="Cambria Math" pitchFamily="18" charset="0"/>
+              </a:rPr>
+              <a:t>1</a:t>
+            </a:r>
+            <a:r>
+              <a:rPr lang="en-US" dirty="0"/>
+              <a:t>,</a:t>
+            </a:r>
+            <a:r>
+              <a:rPr lang="en-US" dirty="0">
+                <a:latin typeface="Cambria Math" pitchFamily="18" charset="0"/>
+                <a:ea typeface="Cambria Math" pitchFamily="18" charset="0"/>
+              </a:rPr>
+              <a:t>2</a:t>
+            </a:r>
+            <a:r>
+              <a:rPr lang="en-US" dirty="0"/>
+              <a:t> is a permutation of </a:t>
+            </a:r>
+            <a:r>
+              <a:rPr lang="en-US" i="1" dirty="0"/>
+              <a:t>S</a:t>
+            </a:r>
+            <a:r>
+              <a:rPr lang="en-US" dirty="0"/>
+              <a:t>.</a:t>
+            </a:r>
+          </a:p>
+          <a:p>
+            <a:pPr lvl="1"/>
+            <a:r>
+              <a:rPr lang="en-US" dirty="0"/>
+              <a:t>The ordered arrangement </a:t>
+            </a:r>
+            <a:r>
+              <a:rPr lang="en-US" dirty="0">
+                <a:latin typeface="Cambria Math" pitchFamily="18" charset="0"/>
+                <a:ea typeface="Cambria Math" pitchFamily="18" charset="0"/>
+              </a:rPr>
+              <a:t>3</a:t>
+            </a:r>
+            <a:r>
+              <a:rPr lang="en-US" dirty="0"/>
+              <a:t>,</a:t>
+            </a:r>
+            <a:r>
+              <a:rPr lang="en-US" dirty="0">
+                <a:latin typeface="Cambria Math" pitchFamily="18" charset="0"/>
+                <a:ea typeface="Cambria Math" pitchFamily="18" charset="0"/>
+              </a:rPr>
+              <a:t>2</a:t>
+            </a:r>
+            <a:r>
+              <a:rPr lang="en-US" dirty="0"/>
+              <a:t> is a </a:t>
+            </a:r>
+            <a:r>
+              <a:rPr lang="en-US" dirty="0">
+                <a:latin typeface="Cambria Math" pitchFamily="18" charset="0"/>
+                <a:ea typeface="Cambria Math" pitchFamily="18" charset="0"/>
+              </a:rPr>
+              <a:t>2</a:t>
+            </a:r>
+            <a:r>
+              <a:rPr lang="en-US" dirty="0"/>
+              <a:t>-permutation of </a:t>
+            </a:r>
+            <a:r>
+              <a:rPr lang="en-US" i="1" dirty="0"/>
+              <a:t>S</a:t>
+            </a:r>
+            <a:r>
+              <a:rPr lang="en-US" dirty="0"/>
+              <a:t>.</a:t>
+            </a:r>
+          </a:p>
+          <a:p>
+            <a:r>
+              <a:rPr lang="en-US" dirty="0"/>
+              <a:t>The number of </a:t>
+            </a:r>
+            <a:r>
+              <a:rPr lang="en-US" i="1" dirty="0"/>
+              <a:t>r</a:t>
+            </a:r>
+            <a:r>
+              <a:rPr lang="en-US" dirty="0"/>
+              <a:t>-</a:t>
+            </a:r>
+            <a:r>
+              <a:rPr lang="en-US" dirty="0" err="1"/>
+              <a:t>permuatations</a:t>
+            </a:r>
+            <a:r>
+              <a:rPr lang="en-US" dirty="0"/>
+              <a:t> of a set with </a:t>
+            </a:r>
+            <a:r>
+              <a:rPr lang="en-US" i="1" dirty="0"/>
+              <a:t>n</a:t>
+            </a:r>
+            <a:r>
+              <a:rPr lang="en-US" dirty="0"/>
+              <a:t> elements is denoted by </a:t>
             </a:r>
             <a:r>
               <a:rPr lang="en-US" i="1" dirty="0"/>
@@ -10668,47 +10317,46 @@
               <a:t>(</a:t>
             </a:r>
             <a:r>
-              <a:rPr lang="en-US" i="1" dirty="0"/>
+              <a:rPr lang="en-US" i="1" dirty="0" err="1"/>
               <a:t>n</a:t>
             </a:r>
             <a:r>
-              <a:rPr lang="en-US" dirty="0"/>
-              <a:t>, </a:t>
-            </a:r>
-            <a:r>
-              <a:rPr lang="en-US" i="1" dirty="0"/>
+              <a:rPr lang="en-US" dirty="0" err="1"/>
+              <a:t>,</a:t>
+            </a:r>
+            <a:r>
+              <a:rPr lang="en-US" i="1" dirty="0" err="1"/>
               <a:t>r</a:t>
             </a:r>
             <a:r>
               <a:rPr lang="en-US" dirty="0"/>
-              <a:t>) = </a:t>
-            </a:r>
-            <a:r>
-              <a:rPr lang="en-US" i="1" dirty="0"/>
-              <a:t>n</a:t>
-            </a:r>
-            <a:r>
-              <a:rPr lang="en-US" dirty="0"/>
-              <a:t>(</a:t>
-            </a:r>
-            <a:r>
-              <a:rPr lang="en-US" i="1" dirty="0"/>
-              <a:t>n</a:t>
-            </a:r>
-            <a:r>
-              <a:rPr lang="en-US" dirty="0"/>
-              <a:t> </a:t>
-            </a:r>
-            <a:r>
-              <a:rPr lang="en-US" dirty="0">
-                <a:latin typeface="Cambria Math"/>
-                <a:ea typeface="Cambria Math"/>
-              </a:rPr>
-              <a:t>−</a:t>
-            </a:r>
-            <a:r>
-              <a:rPr lang="en-US" dirty="0"/>
-              <a:t>  </a:t>
+              <a:t>).</a:t>
+            </a:r>
+          </a:p>
+          <a:p>
+            <a:pPr lvl="1"/>
+            <a:r>
+              <a:rPr lang="en-US" dirty="0"/>
+              <a:t>The </a:t>
+            </a:r>
+            <a:r>
+              <a:rPr lang="en-US" dirty="0">
+                <a:latin typeface="Cambria Math" pitchFamily="18" charset="0"/>
+                <a:ea typeface="Cambria Math" pitchFamily="18" charset="0"/>
+              </a:rPr>
+              <a:t>2</a:t>
+            </a:r>
+            <a:r>
+              <a:rPr lang="en-US" dirty="0"/>
+              <a:t>-permutations of </a:t>
+            </a:r>
+            <a:r>
+              <a:rPr lang="en-US" i="1" dirty="0"/>
+              <a:t>S</a:t>
+            </a:r>
+            <a:r>
+              <a:rPr lang="en-US" dirty="0"/>
+              <a:t> = {</a:t>
             </a:r>
             <a:r>
               <a:rPr lang="en-US" dirty="0">
@@ -10719,393 +10367,120 @@
             </a:r>
             <a:r>
               <a:rPr lang="en-US" dirty="0"/>
-              <a:t>)(</a:t>
-            </a:r>
-            <a:r>
-              <a:rPr lang="en-US" i="1" dirty="0"/>
-              <a:t>n </a:t>
+              <a:t>,</a:t>
+            </a:r>
+            <a:r>
+              <a:rPr lang="en-US" dirty="0">
+                <a:latin typeface="Cambria Math" pitchFamily="18" charset="0"/>
+                <a:ea typeface="Cambria Math" pitchFamily="18" charset="0"/>
+              </a:rPr>
+              <a:t>2</a:t>
+            </a:r>
+            <a:r>
+              <a:rPr lang="en-US" dirty="0"/>
+              <a:t>,</a:t>
+            </a:r>
+            <a:r>
+              <a:rPr lang="en-US" dirty="0">
+                <a:latin typeface="Cambria Math" pitchFamily="18" charset="0"/>
+                <a:ea typeface="Cambria Math" pitchFamily="18" charset="0"/>
+              </a:rPr>
+              <a:t>3</a:t>
+            </a:r>
+            <a:r>
+              <a:rPr lang="en-US" dirty="0"/>
+              <a:t>} are</a:t>
+            </a:r>
+            <a:r>
+              <a:rPr lang="en-US" dirty="0">
+                <a:latin typeface="Cambria Math" pitchFamily="18" charset="0"/>
+                <a:ea typeface="Cambria Math" pitchFamily="18" charset="0"/>
+              </a:rPr>
+              <a:t> 1</a:t>
+            </a:r>
+            <a:r>
+              <a:rPr lang="en-US" dirty="0"/>
+              <a:t>,</a:t>
+            </a:r>
+            <a:r>
+              <a:rPr lang="en-US" dirty="0">
+                <a:latin typeface="Cambria Math" pitchFamily="18" charset="0"/>
+                <a:ea typeface="Cambria Math" pitchFamily="18" charset="0"/>
+              </a:rPr>
+              <a:t>2; 1</a:t>
+            </a:r>
+            <a:r>
+              <a:rPr lang="en-US" dirty="0"/>
+              <a:t>,</a:t>
+            </a:r>
+            <a:r>
+              <a:rPr lang="en-US" dirty="0">
+                <a:latin typeface="Cambria Math" pitchFamily="18" charset="0"/>
+                <a:ea typeface="Cambria Math" pitchFamily="18" charset="0"/>
+              </a:rPr>
+              <a:t>3; 2</a:t>
+            </a:r>
+            <a:r>
+              <a:rPr lang="en-US" dirty="0"/>
+              <a:t>,</a:t>
+            </a:r>
+            <a:r>
+              <a:rPr lang="en-US" dirty="0">
+                <a:latin typeface="Cambria Math" pitchFamily="18" charset="0"/>
+                <a:ea typeface="Cambria Math" pitchFamily="18" charset="0"/>
+              </a:rPr>
+              <a:t>1; 2</a:t>
+            </a:r>
+            <a:r>
+              <a:rPr lang="en-US" dirty="0"/>
+              <a:t>,</a:t>
+            </a:r>
+            <a:r>
+              <a:rPr lang="en-US" dirty="0">
+                <a:latin typeface="Cambria Math" pitchFamily="18" charset="0"/>
+                <a:ea typeface="Cambria Math" pitchFamily="18" charset="0"/>
+              </a:rPr>
+              <a:t>3; 3</a:t>
+            </a:r>
+            <a:r>
+              <a:rPr lang="en-US" dirty="0"/>
+              <a:t>,</a:t>
+            </a:r>
+            <a:r>
+              <a:rPr lang="en-US" dirty="0">
+                <a:latin typeface="Cambria Math" pitchFamily="18" charset="0"/>
+                <a:ea typeface="Cambria Math" pitchFamily="18" charset="0"/>
+              </a:rPr>
+              <a:t>1; and 3</a:t>
+            </a:r>
+            <a:r>
+              <a:rPr lang="en-US" dirty="0"/>
+              <a:t>,</a:t>
+            </a:r>
+            <a:r>
+              <a:rPr lang="en-US" dirty="0">
+                <a:latin typeface="Cambria Math" pitchFamily="18" charset="0"/>
+                <a:ea typeface="Cambria Math" pitchFamily="18" charset="0"/>
+              </a:rPr>
+              <a:t>2. Hence, </a:t>
             </a:r>
             <a:r>
               <a:rPr lang="en-US" i="1" dirty="0">
-                <a:latin typeface="Cambria Math"/>
-                <a:ea typeface="Cambria Math"/>
-              </a:rPr>
-              <a:t>−</a:t>
-            </a:r>
-            <a:r>
-              <a:rPr lang="en-US" dirty="0"/>
-              <a:t>  </a:t>
-            </a:r>
-            <a:r>
-              <a:rPr lang="en-US" dirty="0">
-                <a:latin typeface="Cambria Math" pitchFamily="18" charset="0"/>
-                <a:ea typeface="Cambria Math" pitchFamily="18" charset="0"/>
-              </a:rPr>
-              <a:t>2</a:t>
-            </a:r>
-            <a:r>
-              <a:rPr lang="en-US" dirty="0"/>
-              <a:t>) </a:t>
-            </a:r>
-            <a:r>
-              <a:rPr lang="en-US" dirty="0">
-                <a:latin typeface="Cambria Math"/>
-                <a:ea typeface="Cambria Math"/>
-              </a:rPr>
-              <a:t>∙∙∙</a:t>
-            </a:r>
-            <a:r>
-              <a:rPr lang="en-US" dirty="0"/>
-              <a:t>  (</a:t>
-            </a:r>
-            <a:r>
-              <a:rPr lang="en-US" i="1" dirty="0"/>
-              <a:t>n</a:t>
-            </a:r>
-            <a:r>
-              <a:rPr lang="en-US" dirty="0"/>
-              <a:t> </a:t>
-            </a:r>
-            <a:r>
-              <a:rPr lang="en-US" dirty="0">
-                <a:latin typeface="Cambria Math"/>
-                <a:ea typeface="Cambria Math"/>
-              </a:rPr>
-              <a:t>−</a:t>
-            </a:r>
-            <a:r>
-              <a:rPr lang="en-US" dirty="0"/>
-              <a:t>  </a:t>
-            </a:r>
-            <a:r>
-              <a:rPr lang="en-US" i="1" dirty="0"/>
-              <a:t>r</a:t>
-            </a:r>
-            <a:r>
-              <a:rPr lang="en-US" dirty="0"/>
-              <a:t> + </a:t>
-            </a:r>
-            <a:r>
-              <a:rPr lang="en-US" dirty="0">
-                <a:latin typeface="Cambria Math" pitchFamily="18" charset="0"/>
-                <a:ea typeface="Cambria Math" pitchFamily="18" charset="0"/>
-              </a:rPr>
-              <a:t>1</a:t>
-            </a:r>
-            <a:r>
-              <a:rPr lang="en-US" dirty="0"/>
-              <a:t>)</a:t>
-            </a:r>
-          </a:p>
-          <a:p>
-            <a:pPr>
-              <a:buNone/>
-            </a:pPr>
-            <a:r>
-              <a:rPr lang="en-US" i="1" dirty="0"/>
-              <a:t>    r</a:t>
-            </a:r>
-            <a:r>
-              <a:rPr lang="en-US" dirty="0"/>
-              <a:t>-permutations of a set with n distinct elements.</a:t>
-            </a:r>
-          </a:p>
-          <a:p>
-            <a:pPr>
-              <a:buNone/>
-            </a:pPr>
-            <a:r>
-              <a:rPr lang="en-US" b="1" dirty="0"/>
-              <a:t>    Proof</a:t>
-            </a:r>
-            <a:r>
-              <a:rPr lang="en-US" dirty="0"/>
-              <a:t>: Use the product rule. The first element can be chosen in </a:t>
-            </a:r>
-            <a:r>
-              <a:rPr lang="en-US" i="1" dirty="0"/>
-              <a:t>n</a:t>
-            </a:r>
-            <a:r>
-              <a:rPr lang="en-US" dirty="0"/>
-              <a:t> ways. The second in </a:t>
-            </a:r>
-            <a:r>
-              <a:rPr lang="en-US" i="1" dirty="0"/>
-              <a:t>n</a:t>
-            </a:r>
-            <a:r>
-              <a:rPr lang="en-US" dirty="0"/>
-              <a:t> </a:t>
-            </a:r>
-            <a:r>
-              <a:rPr lang="en-US" dirty="0">
-                <a:latin typeface="Cambria Math"/>
-                <a:ea typeface="Cambria Math"/>
-              </a:rPr>
-              <a:t>−</a:t>
-            </a:r>
-            <a:r>
-              <a:rPr lang="en-US" dirty="0"/>
-              <a:t>  </a:t>
-            </a:r>
-            <a:r>
-              <a:rPr lang="en-US" dirty="0">
-                <a:latin typeface="Cambria Math" pitchFamily="18" charset="0"/>
-                <a:ea typeface="Cambria Math" pitchFamily="18" charset="0"/>
-              </a:rPr>
-              <a:t>1 ways, and so on until there are             (</a:t>
-            </a:r>
-            <a:r>
-              <a:rPr lang="en-US" i="1" dirty="0"/>
-              <a:t>n</a:t>
-            </a:r>
-            <a:r>
-              <a:rPr lang="en-US" dirty="0"/>
-              <a:t> </a:t>
-            </a:r>
-            <a:r>
-              <a:rPr lang="en-US" dirty="0">
-                <a:latin typeface="Cambria Math"/>
-                <a:ea typeface="Cambria Math"/>
-              </a:rPr>
-              <a:t>−</a:t>
-            </a:r>
-            <a:r>
-              <a:rPr lang="en-US" dirty="0"/>
-              <a:t> ( </a:t>
-            </a:r>
-            <a:r>
-              <a:rPr lang="en-US" i="1" dirty="0"/>
-              <a:t>r</a:t>
-            </a:r>
-            <a:r>
-              <a:rPr lang="en-US" dirty="0"/>
-              <a:t> </a:t>
-            </a:r>
-            <a:r>
-              <a:rPr lang="en-US" dirty="0">
-                <a:latin typeface="Cambria Math"/>
-                <a:ea typeface="Cambria Math"/>
-              </a:rPr>
-              <a:t>−</a:t>
-            </a:r>
-            <a:r>
-              <a:rPr lang="en-US" dirty="0"/>
-              <a:t> </a:t>
-            </a:r>
-            <a:r>
-              <a:rPr lang="en-US" dirty="0">
-                <a:latin typeface="Cambria Math" pitchFamily="18" charset="0"/>
-                <a:ea typeface="Cambria Math" pitchFamily="18" charset="0"/>
-              </a:rPr>
-              <a:t>1</a:t>
-            </a:r>
-            <a:r>
-              <a:rPr lang="en-US" dirty="0">
-                <a:ea typeface="Cambria Math" pitchFamily="18" charset="0"/>
-              </a:rPr>
-              <a:t>)) ways to choose the last element.</a:t>
-            </a:r>
-          </a:p>
-          <a:p>
-            <a:r>
-              <a:rPr lang="en-US" dirty="0">
-                <a:ea typeface="Cambria Math" pitchFamily="18" charset="0"/>
-              </a:rPr>
-              <a:t>Note that </a:t>
-            </a:r>
-            <a:r>
-              <a:rPr lang="en-US" i="1" dirty="0">
                 <a:ea typeface="Cambria Math" pitchFamily="18" charset="0"/>
               </a:rPr>
               <a:t>P</a:t>
             </a:r>
             <a:r>
               <a:rPr lang="en-US" dirty="0">
-                <a:ea typeface="Cambria Math" pitchFamily="18" charset="0"/>
-              </a:rPr>
-              <a:t>(</a:t>
-            </a:r>
-            <a:r>
-              <a:rPr lang="en-US" i="1" dirty="0">
-                <a:ea typeface="Cambria Math" pitchFamily="18" charset="0"/>
-              </a:rPr>
-              <a:t>n</a:t>
-            </a:r>
-            <a:r>
-              <a:rPr lang="en-US" dirty="0">
-                <a:ea typeface="Cambria Math" pitchFamily="18" charset="0"/>
-              </a:rPr>
-              <a:t>,</a:t>
-            </a:r>
-            <a:r>
-              <a:rPr lang="en-US" dirty="0">
-                <a:latin typeface="Cambria Math" pitchFamily="18" charset="0"/>
-                <a:ea typeface="Cambria Math" pitchFamily="18" charset="0"/>
-              </a:rPr>
-              <a:t>0</a:t>
-            </a:r>
-            <a:r>
-              <a:rPr lang="en-US" dirty="0">
-                <a:ea typeface="Cambria Math" pitchFamily="18" charset="0"/>
-              </a:rPr>
-              <a:t>) = </a:t>
-            </a:r>
-            <a:r>
-              <a:rPr lang="en-US" dirty="0">
-                <a:latin typeface="Cambria Math" pitchFamily="18" charset="0"/>
-                <a:ea typeface="Cambria Math" pitchFamily="18" charset="0"/>
-              </a:rPr>
-              <a:t>1</a:t>
-            </a:r>
-            <a:r>
-              <a:rPr lang="en-US" dirty="0">
-                <a:ea typeface="Cambria Math" pitchFamily="18" charset="0"/>
-              </a:rPr>
-              <a:t>, since there is only one way to order zero elements.</a:t>
-            </a:r>
-          </a:p>
-          <a:p>
-            <a:pPr>
-              <a:buNone/>
-            </a:pPr>
-            <a:r>
-              <a:rPr lang="en-US" b="1" dirty="0">
-                <a:ea typeface="Cambria Math" pitchFamily="18" charset="0"/>
-              </a:rPr>
-              <a:t>    Corollary </a:t>
-            </a:r>
-            <a:r>
-              <a:rPr lang="en-US" b="1" dirty="0">
-                <a:latin typeface="Cambria Math" pitchFamily="18" charset="0"/>
-                <a:ea typeface="Cambria Math" pitchFamily="18" charset="0"/>
-              </a:rPr>
-              <a:t>1</a:t>
-            </a:r>
-            <a:r>
-              <a:rPr lang="en-US" dirty="0">
-                <a:ea typeface="Cambria Math" pitchFamily="18" charset="0"/>
-              </a:rPr>
-              <a:t>: If </a:t>
-            </a:r>
-            <a:r>
-              <a:rPr lang="en-US" i="1" dirty="0">
-                <a:ea typeface="Cambria Math" pitchFamily="18" charset="0"/>
-              </a:rPr>
-              <a:t>n</a:t>
-            </a:r>
-            <a:r>
-              <a:rPr lang="en-US" dirty="0">
-                <a:ea typeface="Cambria Math" pitchFamily="18" charset="0"/>
-              </a:rPr>
-              <a:t> and </a:t>
-            </a:r>
-            <a:r>
-              <a:rPr lang="en-US" i="1" dirty="0">
-                <a:ea typeface="Cambria Math" pitchFamily="18" charset="0"/>
-              </a:rPr>
-              <a:t>r</a:t>
-            </a:r>
-            <a:r>
-              <a:rPr lang="en-US" dirty="0">
-                <a:ea typeface="Cambria Math" pitchFamily="18" charset="0"/>
-              </a:rPr>
-              <a:t> are integers with </a:t>
-            </a:r>
-            <a:r>
-              <a:rPr lang="en-US" dirty="0">
-                <a:latin typeface="Cambria Math" pitchFamily="18" charset="0"/>
-                <a:ea typeface="Cambria Math" pitchFamily="18" charset="0"/>
-              </a:rPr>
-              <a:t>1</a:t>
-            </a:r>
-            <a:r>
-              <a:rPr lang="en-US" dirty="0"/>
-              <a:t> </a:t>
-            </a:r>
-            <a:r>
-              <a:rPr lang="en-US" dirty="0">
-                <a:latin typeface="Cambria Math"/>
-                <a:ea typeface="Cambria Math"/>
-              </a:rPr>
-              <a:t>≤</a:t>
-            </a:r>
-            <a:r>
-              <a:rPr lang="en-US" dirty="0"/>
-              <a:t> </a:t>
-            </a:r>
-            <a:r>
-              <a:rPr lang="en-US" i="1" dirty="0"/>
-              <a:t>r</a:t>
-            </a:r>
-            <a:r>
-              <a:rPr lang="en-US" dirty="0"/>
-              <a:t> </a:t>
-            </a:r>
-            <a:r>
-              <a:rPr lang="en-US" dirty="0">
-                <a:latin typeface="Cambria Math"/>
-                <a:ea typeface="Cambria Math"/>
-              </a:rPr>
-              <a:t>≤</a:t>
-            </a:r>
-            <a:r>
-              <a:rPr lang="en-US" dirty="0"/>
-              <a:t> </a:t>
-            </a:r>
-            <a:r>
-              <a:rPr lang="en-US" i="1" dirty="0"/>
-              <a:t>n, </a:t>
-            </a:r>
-            <a:r>
-              <a:rPr lang="en-US" dirty="0"/>
-              <a:t>then</a:t>
-            </a:r>
-          </a:p>
-          <a:p>
-            <a:endParaRPr lang="en-US" i="1" dirty="0"/>
-          </a:p>
-          <a:p>
-            <a:pPr>
-              <a:buNone/>
-            </a:pPr>
-            <a:r>
-              <a:rPr lang="en-US" i="1" dirty="0"/>
-              <a:t> </a:t>
+                <a:latin typeface="Cambria Math" pitchFamily="18" charset="0"/>
+                <a:ea typeface="Cambria Math" pitchFamily="18" charset="0"/>
+              </a:rPr>
+              <a:t>(3,2) = 6.</a:t>
             </a:r>
             <a:endParaRPr lang="en-US" dirty="0"/>
           </a:p>
         </p:txBody>
       </p:sp>
-      <p:pic>
-        <p:nvPicPr>
-          <p:cNvPr id="4" name="Content Placeholder 3" descr="addin_tmp.png"/>
-          <p:cNvPicPr>
-            <a:picLocks noChangeAspect="1"/>
-          </p:cNvPicPr>
-          <p:nvPr>
-            <p:custDataLst>
-              <p:tags r:id="rId1"/>
-            </p:custDataLst>
-          </p:nvPr>
-        </p:nvPicPr>
-        <p:blipFill>
-          <a:blip r:embed="rId3" cstate="print"/>
-          <a:stretch>
-            <a:fillRect/>
-          </a:stretch>
-        </p:blipFill>
-        <p:spPr>
-          <a:xfrm>
-            <a:off x="3048000" y="5638800"/>
-            <a:ext cx="2608898" cy="537210"/>
-          </a:xfrm>
-          <a:prstGeom prst="rect">
-            <a:avLst/>
-          </a:prstGeom>
-        </p:spPr>
-      </p:pic>
     </p:spTree>
   </p:cSld>
   <p:clrMapOvr>
@@ -11289,6 +10664,611 @@
 </file>
 
 <file path=ppt/slides/slide30.xml><?xml version="1.0" encoding="utf-8"?>
+<p:sld xmlns:a="http://schemas.openxmlformats.org/drawingml/2006/main" xmlns:r="http://schemas.openxmlformats.org/officeDocument/2006/relationships" xmlns:p="http://schemas.openxmlformats.org/presentationml/2006/main">
+  <p:cSld>
+    <p:spTree>
+      <p:nvGrpSpPr>
+        <p:cNvPr id="1" name=""/>
+        <p:cNvGrpSpPr/>
+        <p:nvPr/>
+      </p:nvGrpSpPr>
+      <p:grpSpPr>
+        <a:xfrm>
+          <a:off x="0" y="0"/>
+          <a:ext cx="0" cy="0"/>
+          <a:chOff x="0" y="0"/>
+          <a:chExt cx="0" cy="0"/>
+        </a:xfrm>
+      </p:grpSpPr>
+      <p:sp>
+        <p:nvSpPr>
+          <p:cNvPr id="2" name="Title 1"/>
+          <p:cNvSpPr>
+            <a:spLocks noGrp="1"/>
+          </p:cNvSpPr>
+          <p:nvPr>
+            <p:ph type="title"/>
+          </p:nvPr>
+        </p:nvSpPr>
+        <p:spPr/>
+        <p:txBody>
+          <a:bodyPr>
+            <a:normAutofit fontScale="90000"/>
+          </a:bodyPr>
+          <a:lstStyle/>
+          <a:p>
+            <a:r>
+              <a:rPr lang="en-US" dirty="0"/>
+              <a:t>A Formula for the Number of Permutations</a:t>
+            </a:r>
+          </a:p>
+        </p:txBody>
+      </p:sp>
+      <p:sp>
+        <p:nvSpPr>
+          <p:cNvPr id="3" name="Content Placeholder 2"/>
+          <p:cNvSpPr>
+            <a:spLocks noGrp="1"/>
+          </p:cNvSpPr>
+          <p:nvPr>
+            <p:ph idx="1"/>
+          </p:nvPr>
+        </p:nvSpPr>
+        <p:spPr/>
+        <p:txBody>
+          <a:bodyPr>
+            <a:normAutofit fontScale="85000" lnSpcReduction="10000"/>
+          </a:bodyPr>
+          <a:lstStyle/>
+          <a:p>
+            <a:pPr>
+              <a:buNone/>
+            </a:pPr>
+            <a:r>
+              <a:rPr lang="en-US" b="1" dirty="0"/>
+              <a:t>    Theorem </a:t>
+            </a:r>
+            <a:r>
+              <a:rPr lang="en-US" b="1" dirty="0">
+                <a:latin typeface="Cambria Math" pitchFamily="18" charset="0"/>
+                <a:ea typeface="Cambria Math" pitchFamily="18" charset="0"/>
+              </a:rPr>
+              <a:t>1</a:t>
+            </a:r>
+            <a:r>
+              <a:rPr lang="en-US" dirty="0"/>
+              <a:t>: If </a:t>
+            </a:r>
+            <a:r>
+              <a:rPr lang="en-US" i="1" dirty="0"/>
+              <a:t>n</a:t>
+            </a:r>
+            <a:r>
+              <a:rPr lang="en-US" dirty="0"/>
+              <a:t> is a positive integer and </a:t>
+            </a:r>
+            <a:r>
+              <a:rPr lang="en-US" i="1" dirty="0"/>
+              <a:t>r</a:t>
+            </a:r>
+            <a:r>
+              <a:rPr lang="en-US" dirty="0"/>
+              <a:t> is an integer with            </a:t>
+            </a:r>
+            <a:r>
+              <a:rPr lang="en-US" dirty="0">
+                <a:latin typeface="Cambria Math" pitchFamily="18" charset="0"/>
+                <a:ea typeface="Cambria Math" pitchFamily="18" charset="0"/>
+              </a:rPr>
+              <a:t>1</a:t>
+            </a:r>
+            <a:r>
+              <a:rPr lang="en-US" dirty="0"/>
+              <a:t> </a:t>
+            </a:r>
+            <a:r>
+              <a:rPr lang="en-US" dirty="0">
+                <a:latin typeface="Cambria Math"/>
+                <a:ea typeface="Cambria Math"/>
+              </a:rPr>
+              <a:t>≤</a:t>
+            </a:r>
+            <a:r>
+              <a:rPr lang="en-US" dirty="0"/>
+              <a:t> </a:t>
+            </a:r>
+            <a:r>
+              <a:rPr lang="en-US" i="1" dirty="0"/>
+              <a:t>r</a:t>
+            </a:r>
+            <a:r>
+              <a:rPr lang="en-US" dirty="0"/>
+              <a:t> </a:t>
+            </a:r>
+            <a:r>
+              <a:rPr lang="en-US" dirty="0">
+                <a:latin typeface="Cambria Math"/>
+                <a:ea typeface="Cambria Math"/>
+              </a:rPr>
+              <a:t>≤</a:t>
+            </a:r>
+            <a:r>
+              <a:rPr lang="en-US" dirty="0"/>
+              <a:t> </a:t>
+            </a:r>
+            <a:r>
+              <a:rPr lang="en-US" i="1" dirty="0"/>
+              <a:t>n</a:t>
+            </a:r>
+            <a:r>
+              <a:rPr lang="en-US" dirty="0"/>
+              <a:t>, then there are</a:t>
+            </a:r>
+          </a:p>
+          <a:p>
+            <a:pPr>
+              <a:buNone/>
+            </a:pPr>
+            <a:r>
+              <a:rPr lang="en-US" dirty="0"/>
+              <a:t>         </a:t>
+            </a:r>
+            <a:r>
+              <a:rPr lang="en-US" i="1" dirty="0"/>
+              <a:t>P</a:t>
+            </a:r>
+            <a:r>
+              <a:rPr lang="en-US" dirty="0"/>
+              <a:t>(</a:t>
+            </a:r>
+            <a:r>
+              <a:rPr lang="en-US" i="1" dirty="0"/>
+              <a:t>n</a:t>
+            </a:r>
+            <a:r>
+              <a:rPr lang="en-US" dirty="0"/>
+              <a:t>, </a:t>
+            </a:r>
+            <a:r>
+              <a:rPr lang="en-US" i="1" dirty="0"/>
+              <a:t>r</a:t>
+            </a:r>
+            <a:r>
+              <a:rPr lang="en-US" dirty="0"/>
+              <a:t>) = </a:t>
+            </a:r>
+            <a:r>
+              <a:rPr lang="en-US" i="1" dirty="0"/>
+              <a:t>n</a:t>
+            </a:r>
+            <a:r>
+              <a:rPr lang="en-US" dirty="0"/>
+              <a:t>(</a:t>
+            </a:r>
+            <a:r>
+              <a:rPr lang="en-US" i="1" dirty="0"/>
+              <a:t>n</a:t>
+            </a:r>
+            <a:r>
+              <a:rPr lang="en-US" dirty="0"/>
+              <a:t> </a:t>
+            </a:r>
+            <a:r>
+              <a:rPr lang="en-US" dirty="0">
+                <a:latin typeface="Cambria Math"/>
+                <a:ea typeface="Cambria Math"/>
+              </a:rPr>
+              <a:t>−</a:t>
+            </a:r>
+            <a:r>
+              <a:rPr lang="en-US" dirty="0"/>
+              <a:t>  </a:t>
+            </a:r>
+            <a:r>
+              <a:rPr lang="en-US" dirty="0">
+                <a:latin typeface="Cambria Math" pitchFamily="18" charset="0"/>
+                <a:ea typeface="Cambria Math" pitchFamily="18" charset="0"/>
+              </a:rPr>
+              <a:t>1</a:t>
+            </a:r>
+            <a:r>
+              <a:rPr lang="en-US" dirty="0"/>
+              <a:t>)(</a:t>
+            </a:r>
+            <a:r>
+              <a:rPr lang="en-US" i="1" dirty="0"/>
+              <a:t>n </a:t>
+            </a:r>
+            <a:r>
+              <a:rPr lang="en-US" i="1" dirty="0">
+                <a:latin typeface="Cambria Math"/>
+                <a:ea typeface="Cambria Math"/>
+              </a:rPr>
+              <a:t>−</a:t>
+            </a:r>
+            <a:r>
+              <a:rPr lang="en-US" dirty="0"/>
+              <a:t>  </a:t>
+            </a:r>
+            <a:r>
+              <a:rPr lang="en-US" dirty="0">
+                <a:latin typeface="Cambria Math" pitchFamily="18" charset="0"/>
+                <a:ea typeface="Cambria Math" pitchFamily="18" charset="0"/>
+              </a:rPr>
+              <a:t>2</a:t>
+            </a:r>
+            <a:r>
+              <a:rPr lang="en-US" dirty="0"/>
+              <a:t>) </a:t>
+            </a:r>
+            <a:r>
+              <a:rPr lang="en-US" dirty="0">
+                <a:latin typeface="Cambria Math"/>
+                <a:ea typeface="Cambria Math"/>
+              </a:rPr>
+              <a:t>∙∙∙</a:t>
+            </a:r>
+            <a:r>
+              <a:rPr lang="en-US" dirty="0"/>
+              <a:t>  (</a:t>
+            </a:r>
+            <a:r>
+              <a:rPr lang="en-US" i="1" dirty="0"/>
+              <a:t>n</a:t>
+            </a:r>
+            <a:r>
+              <a:rPr lang="en-US" dirty="0"/>
+              <a:t> </a:t>
+            </a:r>
+            <a:r>
+              <a:rPr lang="en-US" dirty="0">
+                <a:latin typeface="Cambria Math"/>
+                <a:ea typeface="Cambria Math"/>
+              </a:rPr>
+              <a:t>−</a:t>
+            </a:r>
+            <a:r>
+              <a:rPr lang="en-US" dirty="0"/>
+              <a:t>  </a:t>
+            </a:r>
+            <a:r>
+              <a:rPr lang="en-US" i="1" dirty="0"/>
+              <a:t>r</a:t>
+            </a:r>
+            <a:r>
+              <a:rPr lang="en-US" dirty="0"/>
+              <a:t> + </a:t>
+            </a:r>
+            <a:r>
+              <a:rPr lang="en-US" dirty="0">
+                <a:latin typeface="Cambria Math" pitchFamily="18" charset="0"/>
+                <a:ea typeface="Cambria Math" pitchFamily="18" charset="0"/>
+              </a:rPr>
+              <a:t>1</a:t>
+            </a:r>
+            <a:r>
+              <a:rPr lang="en-US" dirty="0"/>
+              <a:t>)</a:t>
+            </a:r>
+          </a:p>
+          <a:p>
+            <a:pPr>
+              <a:buNone/>
+            </a:pPr>
+            <a:r>
+              <a:rPr lang="en-US" i="1" dirty="0"/>
+              <a:t>    r</a:t>
+            </a:r>
+            <a:r>
+              <a:rPr lang="en-US" dirty="0"/>
+              <a:t>-permutations of a set with n distinct elements.</a:t>
+            </a:r>
+          </a:p>
+          <a:p>
+            <a:pPr>
+              <a:buNone/>
+            </a:pPr>
+            <a:r>
+              <a:rPr lang="en-US" b="1" dirty="0"/>
+              <a:t>    Proof</a:t>
+            </a:r>
+            <a:r>
+              <a:rPr lang="en-US" dirty="0"/>
+              <a:t>: Use the product rule. The first element can be chosen in </a:t>
+            </a:r>
+            <a:r>
+              <a:rPr lang="en-US" i="1" dirty="0"/>
+              <a:t>n</a:t>
+            </a:r>
+            <a:r>
+              <a:rPr lang="en-US" dirty="0"/>
+              <a:t> ways. The second in </a:t>
+            </a:r>
+            <a:r>
+              <a:rPr lang="en-US" i="1" dirty="0"/>
+              <a:t>n</a:t>
+            </a:r>
+            <a:r>
+              <a:rPr lang="en-US" dirty="0"/>
+              <a:t> </a:t>
+            </a:r>
+            <a:r>
+              <a:rPr lang="en-US" dirty="0">
+                <a:latin typeface="Cambria Math"/>
+                <a:ea typeface="Cambria Math"/>
+              </a:rPr>
+              <a:t>−</a:t>
+            </a:r>
+            <a:r>
+              <a:rPr lang="en-US" dirty="0"/>
+              <a:t>  </a:t>
+            </a:r>
+            <a:r>
+              <a:rPr lang="en-US" dirty="0">
+                <a:latin typeface="Cambria Math" pitchFamily="18" charset="0"/>
+                <a:ea typeface="Cambria Math" pitchFamily="18" charset="0"/>
+              </a:rPr>
+              <a:t>1 ways, and so on until there are             (</a:t>
+            </a:r>
+            <a:r>
+              <a:rPr lang="en-US" i="1" dirty="0"/>
+              <a:t>n</a:t>
+            </a:r>
+            <a:r>
+              <a:rPr lang="en-US" dirty="0"/>
+              <a:t> </a:t>
+            </a:r>
+            <a:r>
+              <a:rPr lang="en-US" dirty="0">
+                <a:latin typeface="Cambria Math"/>
+                <a:ea typeface="Cambria Math"/>
+              </a:rPr>
+              <a:t>−</a:t>
+            </a:r>
+            <a:r>
+              <a:rPr lang="en-US" dirty="0"/>
+              <a:t> ( </a:t>
+            </a:r>
+            <a:r>
+              <a:rPr lang="en-US" i="1" dirty="0"/>
+              <a:t>r</a:t>
+            </a:r>
+            <a:r>
+              <a:rPr lang="en-US" dirty="0"/>
+              <a:t> </a:t>
+            </a:r>
+            <a:r>
+              <a:rPr lang="en-US" dirty="0">
+                <a:latin typeface="Cambria Math"/>
+                <a:ea typeface="Cambria Math"/>
+              </a:rPr>
+              <a:t>−</a:t>
+            </a:r>
+            <a:r>
+              <a:rPr lang="en-US" dirty="0"/>
+              <a:t> </a:t>
+            </a:r>
+            <a:r>
+              <a:rPr lang="en-US" dirty="0">
+                <a:latin typeface="Cambria Math" pitchFamily="18" charset="0"/>
+                <a:ea typeface="Cambria Math" pitchFamily="18" charset="0"/>
+              </a:rPr>
+              <a:t>1</a:t>
+            </a:r>
+            <a:r>
+              <a:rPr lang="en-US" dirty="0">
+                <a:ea typeface="Cambria Math" pitchFamily="18" charset="0"/>
+              </a:rPr>
+              <a:t>)) ways to choose the last element.</a:t>
+            </a:r>
+          </a:p>
+          <a:p>
+            <a:r>
+              <a:rPr lang="en-US" dirty="0">
+                <a:ea typeface="Cambria Math" pitchFamily="18" charset="0"/>
+              </a:rPr>
+              <a:t>Note that </a:t>
+            </a:r>
+            <a:r>
+              <a:rPr lang="en-US" i="1" dirty="0">
+                <a:ea typeface="Cambria Math" pitchFamily="18" charset="0"/>
+              </a:rPr>
+              <a:t>P</a:t>
+            </a:r>
+            <a:r>
+              <a:rPr lang="en-US" dirty="0">
+                <a:ea typeface="Cambria Math" pitchFamily="18" charset="0"/>
+              </a:rPr>
+              <a:t>(</a:t>
+            </a:r>
+            <a:r>
+              <a:rPr lang="en-US" i="1" dirty="0">
+                <a:ea typeface="Cambria Math" pitchFamily="18" charset="0"/>
+              </a:rPr>
+              <a:t>n</a:t>
+            </a:r>
+            <a:r>
+              <a:rPr lang="en-US" dirty="0">
+                <a:ea typeface="Cambria Math" pitchFamily="18" charset="0"/>
+              </a:rPr>
+              <a:t>,</a:t>
+            </a:r>
+            <a:r>
+              <a:rPr lang="en-US" dirty="0">
+                <a:latin typeface="Cambria Math" pitchFamily="18" charset="0"/>
+                <a:ea typeface="Cambria Math" pitchFamily="18" charset="0"/>
+              </a:rPr>
+              <a:t>0</a:t>
+            </a:r>
+            <a:r>
+              <a:rPr lang="en-US" dirty="0">
+                <a:ea typeface="Cambria Math" pitchFamily="18" charset="0"/>
+              </a:rPr>
+              <a:t>) = </a:t>
+            </a:r>
+            <a:r>
+              <a:rPr lang="en-US" dirty="0">
+                <a:latin typeface="Cambria Math" pitchFamily="18" charset="0"/>
+                <a:ea typeface="Cambria Math" pitchFamily="18" charset="0"/>
+              </a:rPr>
+              <a:t>1</a:t>
+            </a:r>
+            <a:r>
+              <a:rPr lang="en-US" dirty="0">
+                <a:ea typeface="Cambria Math" pitchFamily="18" charset="0"/>
+              </a:rPr>
+              <a:t>, since there is only one way to order zero elements.</a:t>
+            </a:r>
+          </a:p>
+          <a:p>
+            <a:pPr>
+              <a:buNone/>
+            </a:pPr>
+            <a:r>
+              <a:rPr lang="en-US" b="1" dirty="0">
+                <a:ea typeface="Cambria Math" pitchFamily="18" charset="0"/>
+              </a:rPr>
+              <a:t>    Corollary </a:t>
+            </a:r>
+            <a:r>
+              <a:rPr lang="en-US" b="1" dirty="0">
+                <a:latin typeface="Cambria Math" pitchFamily="18" charset="0"/>
+                <a:ea typeface="Cambria Math" pitchFamily="18" charset="0"/>
+              </a:rPr>
+              <a:t>1</a:t>
+            </a:r>
+            <a:r>
+              <a:rPr lang="en-US" dirty="0">
+                <a:ea typeface="Cambria Math" pitchFamily="18" charset="0"/>
+              </a:rPr>
+              <a:t>: If </a:t>
+            </a:r>
+            <a:r>
+              <a:rPr lang="en-US" i="1" dirty="0">
+                <a:ea typeface="Cambria Math" pitchFamily="18" charset="0"/>
+              </a:rPr>
+              <a:t>n</a:t>
+            </a:r>
+            <a:r>
+              <a:rPr lang="en-US" dirty="0">
+                <a:ea typeface="Cambria Math" pitchFamily="18" charset="0"/>
+              </a:rPr>
+              <a:t> and </a:t>
+            </a:r>
+            <a:r>
+              <a:rPr lang="en-US" i="1" dirty="0">
+                <a:ea typeface="Cambria Math" pitchFamily="18" charset="0"/>
+              </a:rPr>
+              <a:t>r</a:t>
+            </a:r>
+            <a:r>
+              <a:rPr lang="en-US" dirty="0">
+                <a:ea typeface="Cambria Math" pitchFamily="18" charset="0"/>
+              </a:rPr>
+              <a:t> are integers with </a:t>
+            </a:r>
+            <a:r>
+              <a:rPr lang="en-US" dirty="0">
+                <a:latin typeface="Cambria Math" pitchFamily="18" charset="0"/>
+                <a:ea typeface="Cambria Math" pitchFamily="18" charset="0"/>
+              </a:rPr>
+              <a:t>1</a:t>
+            </a:r>
+            <a:r>
+              <a:rPr lang="en-US" dirty="0"/>
+              <a:t> </a:t>
+            </a:r>
+            <a:r>
+              <a:rPr lang="en-US" dirty="0">
+                <a:latin typeface="Cambria Math"/>
+                <a:ea typeface="Cambria Math"/>
+              </a:rPr>
+              <a:t>≤</a:t>
+            </a:r>
+            <a:r>
+              <a:rPr lang="en-US" dirty="0"/>
+              <a:t> </a:t>
+            </a:r>
+            <a:r>
+              <a:rPr lang="en-US" i="1" dirty="0"/>
+              <a:t>r</a:t>
+            </a:r>
+            <a:r>
+              <a:rPr lang="en-US" dirty="0"/>
+              <a:t> </a:t>
+            </a:r>
+            <a:r>
+              <a:rPr lang="en-US" dirty="0">
+                <a:latin typeface="Cambria Math"/>
+                <a:ea typeface="Cambria Math"/>
+              </a:rPr>
+              <a:t>≤</a:t>
+            </a:r>
+            <a:r>
+              <a:rPr lang="en-US" dirty="0"/>
+              <a:t> </a:t>
+            </a:r>
+            <a:r>
+              <a:rPr lang="en-US" i="1" dirty="0"/>
+              <a:t>n, </a:t>
+            </a:r>
+            <a:r>
+              <a:rPr lang="en-US" dirty="0"/>
+              <a:t>then</a:t>
+            </a:r>
+          </a:p>
+          <a:p>
+            <a:endParaRPr lang="en-US" i="1" dirty="0"/>
+          </a:p>
+          <a:p>
+            <a:pPr>
+              <a:buNone/>
+            </a:pPr>
+            <a:r>
+              <a:rPr lang="en-US" i="1" dirty="0"/>
+              <a:t> </a:t>
+            </a:r>
+            <a:endParaRPr lang="en-US" dirty="0"/>
+          </a:p>
+        </p:txBody>
+      </p:sp>
+      <p:pic>
+        <p:nvPicPr>
+          <p:cNvPr id="4" name="Content Placeholder 3" descr="addin_tmp.png"/>
+          <p:cNvPicPr>
+            <a:picLocks noChangeAspect="1"/>
+          </p:cNvPicPr>
+          <p:nvPr>
+            <p:custDataLst>
+              <p:tags r:id="rId1"/>
+            </p:custDataLst>
+          </p:nvPr>
+        </p:nvPicPr>
+        <p:blipFill>
+          <a:blip r:embed="rId3" cstate="print"/>
+          <a:stretch>
+            <a:fillRect/>
+          </a:stretch>
+        </p:blipFill>
+        <p:spPr>
+          <a:xfrm>
+            <a:off x="3048000" y="5638800"/>
+            <a:ext cx="2608898" cy="537210"/>
+          </a:xfrm>
+          <a:prstGeom prst="rect">
+            <a:avLst/>
+          </a:prstGeom>
+        </p:spPr>
+      </p:pic>
+    </p:spTree>
+  </p:cSld>
+  <p:clrMapOvr>
+    <a:masterClrMapping/>
+  </p:clrMapOvr>
+</p:sld>
+</file>
+
+<file path=ppt/slides/slide31.xml><?xml version="1.0" encoding="utf-8"?>
 <p:sld xmlns:a="http://schemas.openxmlformats.org/drawingml/2006/main" xmlns:r="http://schemas.openxmlformats.org/officeDocument/2006/relationships" xmlns:p="http://schemas.openxmlformats.org/presentationml/2006/main">
   <p:cSld>
     <p:spTree>
@@ -11571,6 +11551,86 @@
                       </p:childTnLst>
                     </p:cTn>
                   </p:par>
+                  <p:par>
+                    <p:cTn id="9" fill="hold">
+                      <p:stCondLst>
+                        <p:cond delay="indefinite"/>
+                      </p:stCondLst>
+                      <p:childTnLst>
+                        <p:par>
+                          <p:cTn id="10" fill="hold">
+                            <p:stCondLst>
+                              <p:cond delay="0"/>
+                            </p:stCondLst>
+                            <p:childTnLst>
+                              <p:par>
+                                <p:cTn id="11" presetID="1" presetClass="entr" presetSubtype="0" fill="hold" nodeType="clickEffect">
+                                  <p:stCondLst>
+                                    <p:cond delay="0"/>
+                                  </p:stCondLst>
+                                  <p:childTnLst>
+                                    <p:set>
+                                      <p:cBhvr>
+                                        <p:cTn id="12" dur="1" fill="hold">
+                                          <p:stCondLst>
+                                            <p:cond delay="0"/>
+                                          </p:stCondLst>
+                                        </p:cTn>
+                                        <p:tgtEl>
+                                          <p:spTgt spid="3">
+                                            <p:txEl>
+                                              <p:pRg st="2" end="2"/>
+                                            </p:txEl>
+                                          </p:spTgt>
+                                        </p:tgtEl>
+                                        <p:attrNameLst>
+                                          <p:attrName>style.visibility</p:attrName>
+                                        </p:attrNameLst>
+                                      </p:cBhvr>
+                                      <p:to>
+                                        <p:strVal val="visible"/>
+                                      </p:to>
+                                    </p:set>
+                                  </p:childTnLst>
+                                </p:cTn>
+                              </p:par>
+                              <p:par>
+                                <p:cTn id="13" presetID="1" presetClass="entr" presetSubtype="0" fill="hold" nodeType="withEffect">
+                                  <p:stCondLst>
+                                    <p:cond delay="0"/>
+                                  </p:stCondLst>
+                                  <p:childTnLst>
+                                    <p:set>
+                                      <p:cBhvr>
+                                        <p:cTn id="14" dur="1" fill="hold">
+                                          <p:stCondLst>
+                                            <p:cond delay="0"/>
+                                          </p:stCondLst>
+                                        </p:cTn>
+                                        <p:tgtEl>
+                                          <p:spTgt spid="3">
+                                            <p:txEl>
+                                              <p:pRg st="3" end="3"/>
+                                            </p:txEl>
+                                          </p:spTgt>
+                                        </p:tgtEl>
+                                        <p:attrNameLst>
+                                          <p:attrName>style.visibility</p:attrName>
+                                        </p:attrNameLst>
+                                      </p:cBhvr>
+                                      <p:to>
+                                        <p:strVal val="visible"/>
+                                      </p:to>
+                                    </p:set>
+                                  </p:childTnLst>
+                                </p:cTn>
+                              </p:par>
+                            </p:childTnLst>
+                          </p:cTn>
+                        </p:par>
+                      </p:childTnLst>
+                    </p:cTn>
+                  </p:par>
                 </p:childTnLst>
               </p:cTn>
               <p:prevCondLst>
@@ -11596,7 +11656,7 @@
 </p:sld>
 </file>
 
-<file path=ppt/slides/slide31.xml><?xml version="1.0" encoding="utf-8"?>
+<file path=ppt/slides/slide32.xml><?xml version="1.0" encoding="utf-8"?>
 <p:sld xmlns:a="http://schemas.openxmlformats.org/drawingml/2006/main" xmlns:r="http://schemas.openxmlformats.org/officeDocument/2006/relationships" xmlns:p="http://schemas.openxmlformats.org/presentationml/2006/main">
   <p:cSld>
     <p:spTree>
@@ -11673,7 +11733,7 @@
 </p:sld>
 </file>
 
-<file path=ppt/slides/slide32.xml><?xml version="1.0" encoding="utf-8"?>
+<file path=ppt/slides/slide33.xml><?xml version="1.0" encoding="utf-8"?>
 <p:sld xmlns:a="http://schemas.openxmlformats.org/drawingml/2006/main" xmlns:r="http://schemas.openxmlformats.org/officeDocument/2006/relationships" xmlns:p="http://schemas.openxmlformats.org/presentationml/2006/main">
   <p:cSld>
     <p:spTree>
@@ -12088,7 +12148,7 @@
 </p:sld>
 </file>
 
-<file path=ppt/slides/slide33.xml><?xml version="1.0" encoding="utf-8"?>
+<file path=ppt/slides/slide34.xml><?xml version="1.0" encoding="utf-8"?>
 <p:sld xmlns:a="http://schemas.openxmlformats.org/drawingml/2006/main" xmlns:r="http://schemas.openxmlformats.org/officeDocument/2006/relationships" xmlns:p="http://schemas.openxmlformats.org/presentationml/2006/main">
   <p:cSld>
     <p:spTree>
@@ -12506,7 +12566,7 @@
 </p:sld>
 </file>
 
-<file path=ppt/slides/slide34.xml><?xml version="1.0" encoding="utf-8"?>
+<file path=ppt/slides/slide35.xml><?xml version="1.0" encoding="utf-8"?>
 <p:sld xmlns:a="http://schemas.openxmlformats.org/drawingml/2006/main" xmlns:r="http://schemas.openxmlformats.org/officeDocument/2006/relationships" xmlns:p="http://schemas.openxmlformats.org/presentationml/2006/main">
   <p:cSld>
     <p:spTree>
@@ -12579,10 +12639,26 @@
             </a:r>
             <a:r>
               <a:rPr lang="en-US" dirty="0"/>
-              <a:t> of elements of a set is an unordered selection of </a:t>
-            </a:r>
-            <a:r>
-              <a:rPr lang="en-US" i="1" dirty="0"/>
+              <a:t> of elements of a set is an </a:t>
+            </a:r>
+            <a:r>
+              <a:rPr lang="en-US" dirty="0">
+                <a:solidFill>
+                  <a:srgbClr val="FF0000"/>
+                </a:solidFill>
+              </a:rPr>
+              <a:t>unordered</a:t>
+            </a:r>
+            <a:r>
+              <a:rPr lang="en-US" dirty="0"/>
+              <a:t> selection of </a:t>
+            </a:r>
+            <a:r>
+              <a:rPr lang="en-US" i="1" dirty="0">
+                <a:solidFill>
+                  <a:srgbClr val="FF0000"/>
+                </a:solidFill>
+              </a:rPr>
               <a:t>r</a:t>
             </a:r>
             <a:r>
@@ -13007,7 +13083,7 @@
 </p:sld>
 </file>
 
-<file path=ppt/slides/slide35.xml><?xml version="1.0" encoding="utf-8"?>
+<file path=ppt/slides/slide36.xml><?xml version="1.0" encoding="utf-8"?>
 <p:sld xmlns:a="http://schemas.openxmlformats.org/drawingml/2006/main" xmlns:r="http://schemas.openxmlformats.org/officeDocument/2006/relationships" xmlns:p="http://schemas.openxmlformats.org/presentationml/2006/main">
   <p:cSld>
     <p:spTree>
@@ -13338,7 +13414,7 @@
 </p:sld>
 </file>
 
-<file path=ppt/slides/slide36.xml><?xml version="1.0" encoding="utf-8"?>
+<file path=ppt/slides/slide37.xml><?xml version="1.0" encoding="utf-8"?>
 <p:sld xmlns:a="http://schemas.openxmlformats.org/drawingml/2006/main" xmlns:r="http://schemas.openxmlformats.org/officeDocument/2006/relationships" xmlns:p="http://schemas.openxmlformats.org/presentationml/2006/main">
   <p:cSld>
     <p:spTree>
@@ -13629,10 +13705,151 @@
   <p:clrMapOvr>
     <a:masterClrMapping/>
   </p:clrMapOvr>
+  <p:timing>
+    <p:tnLst>
+      <p:par>
+        <p:cTn id="1" dur="indefinite" restart="never" nodeType="tmRoot">
+          <p:childTnLst>
+            <p:seq concurrent="1" nextAc="seek">
+              <p:cTn id="2" dur="indefinite" nodeType="mainSeq">
+                <p:childTnLst>
+                  <p:par>
+                    <p:cTn id="3" fill="hold">
+                      <p:stCondLst>
+                        <p:cond delay="indefinite"/>
+                      </p:stCondLst>
+                      <p:childTnLst>
+                        <p:par>
+                          <p:cTn id="4" fill="hold">
+                            <p:stCondLst>
+                              <p:cond delay="0"/>
+                            </p:stCondLst>
+                            <p:childTnLst>
+                              <p:par>
+                                <p:cTn id="5" presetID="1" presetClass="entr" presetSubtype="0" fill="hold" nodeType="clickEffect">
+                                  <p:stCondLst>
+                                    <p:cond delay="0"/>
+                                  </p:stCondLst>
+                                  <p:childTnLst>
+                                    <p:set>
+                                      <p:cBhvr>
+                                        <p:cTn id="6" dur="1" fill="hold">
+                                          <p:stCondLst>
+                                            <p:cond delay="0"/>
+                                          </p:stCondLst>
+                                        </p:cTn>
+                                        <p:tgtEl>
+                                          <p:spTgt spid="3">
+                                            <p:txEl>
+                                              <p:pRg st="1" end="1"/>
+                                            </p:txEl>
+                                          </p:spTgt>
+                                        </p:tgtEl>
+                                        <p:attrNameLst>
+                                          <p:attrName>style.visibility</p:attrName>
+                                        </p:attrNameLst>
+                                      </p:cBhvr>
+                                      <p:to>
+                                        <p:strVal val="visible"/>
+                                      </p:to>
+                                    </p:set>
+                                  </p:childTnLst>
+                                </p:cTn>
+                              </p:par>
+                              <p:par>
+                                <p:cTn id="7" presetID="1" presetClass="entr" presetSubtype="0" fill="hold" nodeType="withEffect">
+                                  <p:stCondLst>
+                                    <p:cond delay="0"/>
+                                  </p:stCondLst>
+                                  <p:childTnLst>
+                                    <p:set>
+                                      <p:cBhvr>
+                                        <p:cTn id="8" dur="1" fill="hold">
+                                          <p:stCondLst>
+                                            <p:cond delay="0"/>
+                                          </p:stCondLst>
+                                        </p:cTn>
+                                        <p:tgtEl>
+                                          <p:spTgt spid="3">
+                                            <p:txEl>
+                                              <p:pRg st="5" end="5"/>
+                                            </p:txEl>
+                                          </p:spTgt>
+                                        </p:tgtEl>
+                                        <p:attrNameLst>
+                                          <p:attrName>style.visibility</p:attrName>
+                                        </p:attrNameLst>
+                                      </p:cBhvr>
+                                      <p:to>
+                                        <p:strVal val="visible"/>
+                                      </p:to>
+                                    </p:set>
+                                  </p:childTnLst>
+                                </p:cTn>
+                              </p:par>
+                              <p:par>
+                                <p:cTn id="9" presetID="1" presetClass="entr" presetSubtype="0" fill="hold" nodeType="withEffect">
+                                  <p:stCondLst>
+                                    <p:cond delay="0"/>
+                                  </p:stCondLst>
+                                  <p:childTnLst>
+                                    <p:set>
+                                      <p:cBhvr>
+                                        <p:cTn id="10" dur="1" fill="hold">
+                                          <p:stCondLst>
+                                            <p:cond delay="0"/>
+                                          </p:stCondLst>
+                                        </p:cTn>
+                                        <p:tgtEl>
+                                          <p:spTgt spid="3">
+                                            <p:txEl>
+                                              <p:pRg st="7" end="7"/>
+                                            </p:txEl>
+                                          </p:spTgt>
+                                        </p:tgtEl>
+                                        <p:attrNameLst>
+                                          <p:attrName>style.visibility</p:attrName>
+                                        </p:attrNameLst>
+                                      </p:cBhvr>
+                                      <p:to>
+                                        <p:strVal val="visible"/>
+                                      </p:to>
+                                    </p:set>
+                                  </p:childTnLst>
+                                </p:cTn>
+                              </p:par>
+                            </p:childTnLst>
+                          </p:cTn>
+                        </p:par>
+                      </p:childTnLst>
+                    </p:cTn>
+                  </p:par>
+                </p:childTnLst>
+              </p:cTn>
+              <p:prevCondLst>
+                <p:cond evt="onPrev" delay="0">
+                  <p:tgtEl>
+                    <p:sldTgt/>
+                  </p:tgtEl>
+                </p:cond>
+              </p:prevCondLst>
+              <p:nextCondLst>
+                <p:cond evt="onNext" delay="0">
+                  <p:tgtEl>
+                    <p:sldTgt/>
+                  </p:tgtEl>
+                </p:cond>
+              </p:nextCondLst>
+            </p:seq>
+          </p:childTnLst>
+        </p:cTn>
+      </p:par>
+    </p:tnLst>
+  </p:timing>
 </p:sld>
 </file>
 
-<file path=ppt/slides/slide37.xml><?xml version="1.0" encoding="utf-8"?>
+<file path=ppt/slides/slide38.xml><?xml version="1.0" encoding="utf-8"?>
 <p:sld xmlns:a="http://schemas.openxmlformats.org/drawingml/2006/main" xmlns:r="http://schemas.openxmlformats.org/officeDocument/2006/relationships" xmlns:p="http://schemas.openxmlformats.org/presentationml/2006/main">
   <p:cSld>
     <p:spTree>
@@ -14088,7 +14305,7 @@
 </p:sld>
 </file>
 
-<file path=ppt/slides/slide38.xml><?xml version="1.0" encoding="utf-8"?>
+<file path=ppt/slides/slide39.xml><?xml version="1.0" encoding="utf-8"?>
 <p:sld xmlns:a="http://schemas.openxmlformats.org/drawingml/2006/main" xmlns:r="http://schemas.openxmlformats.org/officeDocument/2006/relationships" xmlns:p="http://schemas.openxmlformats.org/presentationml/2006/main">
   <p:cSld>
     <p:spTree>
@@ -14542,81 +14759,6 @@
       </p:par>
     </p:tnLst>
   </p:timing>
-</p:sld>
-</file>
-
-<file path=ppt/slides/slide39.xml><?xml version="1.0" encoding="utf-8"?>
-<p:sld xmlns:a="http://schemas.openxmlformats.org/drawingml/2006/main" xmlns:r="http://schemas.openxmlformats.org/officeDocument/2006/relationships" xmlns:p="http://schemas.openxmlformats.org/presentationml/2006/main">
-  <p:cSld>
-    <p:spTree>
-      <p:nvGrpSpPr>
-        <p:cNvPr id="1" name=""/>
-        <p:cNvGrpSpPr/>
-        <p:nvPr/>
-      </p:nvGrpSpPr>
-      <p:grpSpPr>
-        <a:xfrm>
-          <a:off x="0" y="0"/>
-          <a:ext cx="0" cy="0"/>
-          <a:chOff x="0" y="0"/>
-          <a:chExt cx="0" cy="0"/>
-        </a:xfrm>
-      </p:grpSpPr>
-      <p:sp>
-        <p:nvSpPr>
-          <p:cNvPr id="2" name="Title 1"/>
-          <p:cNvSpPr>
-            <a:spLocks noGrp="1"/>
-          </p:cNvSpPr>
-          <p:nvPr>
-            <p:ph type="title"/>
-          </p:nvPr>
-        </p:nvSpPr>
-        <p:spPr/>
-        <p:txBody>
-          <a:bodyPr/>
-          <a:lstStyle/>
-          <a:p>
-            <a:r>
-              <a:rPr lang="en-US" dirty="0"/>
-              <a:t>Classroom Exercise</a:t>
-            </a:r>
-          </a:p>
-        </p:txBody>
-      </p:sp>
-      <p:sp>
-        <p:nvSpPr>
-          <p:cNvPr id="3" name="Content Placeholder 2"/>
-          <p:cNvSpPr>
-            <a:spLocks noGrp="1"/>
-          </p:cNvSpPr>
-          <p:nvPr>
-            <p:ph idx="1"/>
-          </p:nvPr>
-        </p:nvSpPr>
-        <p:spPr/>
-        <p:txBody>
-          <a:bodyPr/>
-          <a:lstStyle/>
-          <a:p>
-            <a:r>
-              <a:rPr lang="en-US" dirty="0"/>
-              <a:t>Seven women and nine men are on the faculty in the mathematics department at a school. How many ways are there to select a committee of ﬁve members of the department if at least one woman must be on the committee?</a:t>
-            </a:r>
-            <a:endParaRPr lang="pt-BR" dirty="0"/>
-          </a:p>
-        </p:txBody>
-      </p:sp>
-    </p:spTree>
-    <p:extLst>
-      <p:ext uri="{BB962C8B-B14F-4D97-AF65-F5344CB8AC3E}">
-        <p14:creationId xmlns:p14="http://schemas.microsoft.com/office/powerpoint/2010/main" val="4241912772"/>
-      </p:ext>
-    </p:extLst>
-  </p:cSld>
-  <p:clrMapOvr>
-    <a:masterClrMapping/>
-  </p:clrMapOvr>
 </p:sld>
 </file>
 
@@ -15061,6 +15203,81 @@
     <p:extLst>
       <p:ext uri="{BB962C8B-B14F-4D97-AF65-F5344CB8AC3E}">
         <p14:creationId xmlns:p14="http://schemas.microsoft.com/office/powerpoint/2010/main" val="2191677300"/>
+      </p:ext>
+    </p:extLst>
+  </p:cSld>
+  <p:clrMapOvr>
+    <a:masterClrMapping/>
+  </p:clrMapOvr>
+</p:sld>
+</file>
+
+<file path=ppt/slides/slide40.xml><?xml version="1.0" encoding="utf-8"?>
+<p:sld xmlns:a="http://schemas.openxmlformats.org/drawingml/2006/main" xmlns:r="http://schemas.openxmlformats.org/officeDocument/2006/relationships" xmlns:p="http://schemas.openxmlformats.org/presentationml/2006/main">
+  <p:cSld>
+    <p:spTree>
+      <p:nvGrpSpPr>
+        <p:cNvPr id="1" name=""/>
+        <p:cNvGrpSpPr/>
+        <p:nvPr/>
+      </p:nvGrpSpPr>
+      <p:grpSpPr>
+        <a:xfrm>
+          <a:off x="0" y="0"/>
+          <a:ext cx="0" cy="0"/>
+          <a:chOff x="0" y="0"/>
+          <a:chExt cx="0" cy="0"/>
+        </a:xfrm>
+      </p:grpSpPr>
+      <p:sp>
+        <p:nvSpPr>
+          <p:cNvPr id="2" name="Title 1"/>
+          <p:cNvSpPr>
+            <a:spLocks noGrp="1"/>
+          </p:cNvSpPr>
+          <p:nvPr>
+            <p:ph type="title"/>
+          </p:nvPr>
+        </p:nvSpPr>
+        <p:spPr/>
+        <p:txBody>
+          <a:bodyPr/>
+          <a:lstStyle/>
+          <a:p>
+            <a:r>
+              <a:rPr lang="en-US" dirty="0"/>
+              <a:t>Classroom Exercise</a:t>
+            </a:r>
+          </a:p>
+        </p:txBody>
+      </p:sp>
+      <p:sp>
+        <p:nvSpPr>
+          <p:cNvPr id="3" name="Content Placeholder 2"/>
+          <p:cNvSpPr>
+            <a:spLocks noGrp="1"/>
+          </p:cNvSpPr>
+          <p:nvPr>
+            <p:ph idx="1"/>
+          </p:nvPr>
+        </p:nvSpPr>
+        <p:spPr/>
+        <p:txBody>
+          <a:bodyPr/>
+          <a:lstStyle/>
+          <a:p>
+            <a:r>
+              <a:rPr lang="en-US" dirty="0"/>
+              <a:t>Seven women and nine men are on the faculty in the mathematics department at a school. How many ways are there to select a committee of ﬁve members of the department if at least one woman must be on the committee?</a:t>
+            </a:r>
+            <a:endParaRPr lang="pt-BR" dirty="0"/>
+          </a:p>
+        </p:txBody>
+      </p:sp>
+    </p:spTree>
+    <p:extLst>
+      <p:ext uri="{BB962C8B-B14F-4D97-AF65-F5344CB8AC3E}">
+        <p14:creationId xmlns:p14="http://schemas.microsoft.com/office/powerpoint/2010/main" val="4241912772"/>
       </p:ext>
     </p:extLst>
   </p:cSld>
